--- a/SP1/소프트웨어 프로젝트 보고서.pptx
+++ b/SP1/소프트웨어 프로젝트 보고서.pptx
@@ -19,8 +19,16 @@
     <p:sldId id="267" r:id="rId13"/>
     <p:sldId id="268" r:id="rId14"/>
     <p:sldId id="269" r:id="rId15"/>
-    <p:sldId id="270" r:id="rId16"/>
-    <p:sldId id="271" r:id="rId17"/>
+    <p:sldId id="278" r:id="rId16"/>
+    <p:sldId id="279" r:id="rId17"/>
+    <p:sldId id="270" r:id="rId18"/>
+    <p:sldId id="273" r:id="rId19"/>
+    <p:sldId id="274" r:id="rId20"/>
+    <p:sldId id="275" r:id="rId21"/>
+    <p:sldId id="277" r:id="rId22"/>
+    <p:sldId id="280" r:id="rId23"/>
+    <p:sldId id="282" r:id="rId24"/>
+    <p:sldId id="281" r:id="rId25"/>
   </p:sldIdLst>
   <p:sldSz cx="12192000" cy="6858000"/>
   <p:notesSz cx="6858000" cy="9144000"/>
@@ -3788,7 +3796,7 @@
                 <a:ea typeface="a반달곰" panose="02020600000000000000" pitchFamily="18" charset="-127"/>
                 <a:cs typeface="+mn-cs"/>
               </a:rPr>
-              <a:t>(2)</a:t>
+              <a:t>(6)</a:t>
             </a:r>
             <a:endParaRPr kumimoji="0" lang="ko-KR" altLang="en-US" sz="4400" b="0" i="0" u="none" strike="noStrike" kern="1200" cap="none" spc="0" normalizeH="0" baseline="0" noProof="0" dirty="0">
               <a:ln>
@@ -3908,7 +3916,7 @@
         <p:spPr>
           <a:xfrm>
             <a:off x="6388895" y="610256"/>
-            <a:ext cx="3879056" cy="523220"/>
+            <a:ext cx="4402930" cy="461665"/>
           </a:xfrm>
           <a:prstGeom prst="rect">
             <a:avLst/>
@@ -3939,7 +3947,7 @@
               <a:defRPr/>
             </a:pPr>
             <a:r>
-              <a:rPr kumimoji="0" lang="en-US" altLang="ko-KR" sz="2800" b="0" i="0" u="none" strike="noStrike" kern="1200" cap="none" spc="0" normalizeH="0" baseline="0" noProof="0" dirty="0">
+              <a:rPr kumimoji="0" lang="en-US" altLang="ko-KR" sz="2400" b="0" i="0" u="none" strike="noStrike" kern="1200" cap="none" spc="0" normalizeH="0" baseline="0" noProof="0" dirty="0">
                 <a:ln>
                   <a:noFill/>
                 </a:ln>
@@ -3953,7 +3961,7 @@
                 <a:ea typeface="a반달곰" panose="02020600000000000000" pitchFamily="18" charset="-127"/>
                 <a:cs typeface="+mn-cs"/>
               </a:rPr>
-              <a:t>Initialize Part</a:t>
+              <a:t>Procedure_ErrorNot200</a:t>
             </a:r>
           </a:p>
         </p:txBody>
@@ -4218,7 +4226,7 @@
                 <a:ea typeface="a반달곰" panose="02020600000000000000" pitchFamily="18" charset="-127"/>
                 <a:cs typeface="+mn-cs"/>
               </a:rPr>
-              <a:t>(2)</a:t>
+              <a:t>(7)</a:t>
             </a:r>
             <a:endParaRPr kumimoji="0" lang="ko-KR" altLang="en-US" sz="4400" b="0" i="0" u="none" strike="noStrike" kern="1200" cap="none" spc="0" normalizeH="0" baseline="0" noProof="0" dirty="0">
               <a:ln>
@@ -4338,7 +4346,7 @@
         <p:spPr>
           <a:xfrm>
             <a:off x="6388895" y="610256"/>
-            <a:ext cx="3879056" cy="523220"/>
+            <a:ext cx="3879056" cy="461665"/>
           </a:xfrm>
           <a:prstGeom prst="rect">
             <a:avLst/>
@@ -4369,7 +4377,7 @@
               <a:defRPr/>
             </a:pPr>
             <a:r>
-              <a:rPr kumimoji="0" lang="en-US" altLang="ko-KR" sz="2800" b="0" i="0" u="none" strike="noStrike" kern="1200" cap="none" spc="0" normalizeH="0" baseline="0" noProof="0" dirty="0">
+              <a:rPr kumimoji="0" lang="en-US" altLang="ko-KR" sz="2400" b="0" i="0" u="none" strike="noStrike" kern="1200" cap="none" spc="0" normalizeH="0" baseline="0" noProof="0" dirty="0">
                 <a:ln>
                   <a:noFill/>
                 </a:ln>
@@ -4383,7 +4391,7 @@
                 <a:ea typeface="a반달곰" panose="02020600000000000000" pitchFamily="18" charset="-127"/>
                 <a:cs typeface="+mn-cs"/>
               </a:rPr>
-              <a:t>Initialize Part</a:t>
+              <a:t>Procedure Success</a:t>
             </a:r>
           </a:p>
         </p:txBody>
@@ -4685,7 +4693,7 @@
                 <a:ea typeface="a반달곰" panose="02020600000000000000" pitchFamily="18" charset="-127"/>
                 <a:cs typeface="+mn-cs"/>
               </a:rPr>
-              <a:t>(2)</a:t>
+              <a:t>(8)</a:t>
             </a:r>
             <a:endParaRPr kumimoji="0" lang="ko-KR" altLang="en-US" sz="4400" b="0" i="0" u="none" strike="noStrike" kern="1200" cap="none" spc="0" normalizeH="0" baseline="0" noProof="0" dirty="0">
               <a:ln>
@@ -4804,8 +4812,8 @@
         </p:nvSpPr>
         <p:spPr>
           <a:xfrm>
-            <a:off x="6388895" y="610256"/>
-            <a:ext cx="3879056" cy="523220"/>
+            <a:off x="6388894" y="397728"/>
+            <a:ext cx="6162674" cy="830997"/>
           </a:xfrm>
           <a:prstGeom prst="rect">
             <a:avLst/>
@@ -4836,7 +4844,7 @@
               <a:defRPr/>
             </a:pPr>
             <a:r>
-              <a:rPr kumimoji="0" lang="en-US" altLang="ko-KR" sz="2800" b="0" i="0" u="none" strike="noStrike" kern="1200" cap="none" spc="0" normalizeH="0" baseline="0" noProof="0" dirty="0">
+              <a:rPr kumimoji="0" lang="en-US" altLang="ko-KR" sz="2400" b="0" i="0" u="none" strike="noStrike" kern="1200" cap="none" spc="0" normalizeH="0" baseline="0" noProof="0" dirty="0">
                 <a:ln>
                   <a:noFill/>
                 </a:ln>
@@ -4850,8 +4858,58 @@
                 <a:ea typeface="a반달곰" panose="02020600000000000000" pitchFamily="18" charset="-127"/>
                 <a:cs typeface="+mn-cs"/>
               </a:rPr>
-              <a:t>Initialize Part</a:t>
-            </a:r>
+              <a:t>Procedure_</a:t>
+            </a:r>
+          </a:p>
+          <a:p>
+            <a:pPr marL="0" marR="0" lvl="0" indent="0" algn="l" defTabSz="914400" rtl="0" eaLnBrk="1" fontAlgn="auto" latinLnBrk="1" hangingPunct="1">
+              <a:lnSpc>
+                <a:spcPct val="100000"/>
+              </a:lnSpc>
+              <a:spcBef>
+                <a:spcPts val="0"/>
+              </a:spcBef>
+              <a:spcAft>
+                <a:spcPts val="0"/>
+              </a:spcAft>
+              <a:buClrTx/>
+              <a:buSzTx/>
+              <a:buFontTx/>
+              <a:buNone/>
+              <a:tabLst/>
+              <a:defRPr/>
+            </a:pPr>
+            <a:r>
+              <a:rPr kumimoji="0" lang="en-US" altLang="ko-KR" sz="2400" b="0" i="0" u="none" strike="noStrike" kern="1200" cap="none" spc="0" normalizeH="0" baseline="0" noProof="0" dirty="0" err="1">
+                <a:ln>
+                  <a:noFill/>
+                </a:ln>
+                <a:solidFill>
+                  <a:prstClr val="white"/>
+                </a:solidFill>
+                <a:effectLst/>
+                <a:uLnTx/>
+                <a:uFillTx/>
+                <a:latin typeface="a반달곰" panose="02020600000000000000" pitchFamily="18" charset="-127"/>
+                <a:ea typeface="a반달곰" panose="02020600000000000000" pitchFamily="18" charset="-127"/>
+                <a:cs typeface="+mn-cs"/>
+              </a:rPr>
+              <a:t>ErrorInputIsNotNatureNumber</a:t>
+            </a:r>
+            <a:endParaRPr kumimoji="0" lang="en-US" altLang="ko-KR" sz="2400" b="0" i="0" u="none" strike="noStrike" kern="1200" cap="none" spc="0" normalizeH="0" baseline="0" noProof="0" dirty="0">
+              <a:ln>
+                <a:noFill/>
+              </a:ln>
+              <a:solidFill>
+                <a:prstClr val="white"/>
+              </a:solidFill>
+              <a:effectLst/>
+              <a:uLnTx/>
+              <a:uFillTx/>
+              <a:latin typeface="a반달곰" panose="02020600000000000000" pitchFamily="18" charset="-127"/>
+              <a:ea typeface="a반달곰" panose="02020600000000000000" pitchFamily="18" charset="-127"/>
+              <a:cs typeface="+mn-cs"/>
+            </a:endParaRPr>
           </a:p>
         </p:txBody>
       </p:sp>
@@ -5116,7 +5174,7 @@
                 <a:ea typeface="a반달곰" panose="02020600000000000000" pitchFamily="18" charset="-127"/>
                 <a:cs typeface="+mn-cs"/>
               </a:rPr>
-              <a:t>(2)</a:t>
+              <a:t>(9)</a:t>
             </a:r>
             <a:endParaRPr kumimoji="0" lang="ko-KR" altLang="en-US" sz="4400" b="0" i="0" u="none" strike="noStrike" kern="1200" cap="none" spc="0" normalizeH="0" baseline="0" noProof="0" dirty="0">
               <a:ln>
@@ -5235,8 +5293,8 @@
         </p:nvSpPr>
         <p:spPr>
           <a:xfrm>
-            <a:off x="6388895" y="610256"/>
-            <a:ext cx="3879056" cy="523220"/>
+            <a:off x="6417470" y="700385"/>
+            <a:ext cx="4705350" cy="461665"/>
           </a:xfrm>
           <a:prstGeom prst="rect">
             <a:avLst/>
@@ -5267,7 +5325,7 @@
               <a:defRPr/>
             </a:pPr>
             <a:r>
-              <a:rPr kumimoji="0" lang="en-US" altLang="ko-KR" sz="2800" b="0" i="0" u="none" strike="noStrike" kern="1200" cap="none" spc="0" normalizeH="0" baseline="0" noProof="0" dirty="0">
+              <a:rPr kumimoji="0" lang="en-US" altLang="ko-KR" sz="2400" b="0" i="0" u="none" strike="noStrike" kern="1200" cap="none" spc="0" normalizeH="0" baseline="0" noProof="0" dirty="0" err="1">
                 <a:ln>
                   <a:noFill/>
                 </a:ln>
@@ -5281,8 +5339,22 @@
                 <a:ea typeface="a반달곰" panose="02020600000000000000" pitchFamily="18" charset="-127"/>
                 <a:cs typeface="+mn-cs"/>
               </a:rPr>
-              <a:t>Initialize Part</a:t>
-            </a:r>
+              <a:t>Procedure_LabelInit</a:t>
+            </a:r>
+            <a:endParaRPr kumimoji="0" lang="en-US" altLang="ko-KR" sz="2400" b="0" i="0" u="none" strike="noStrike" kern="1200" cap="none" spc="0" normalizeH="0" baseline="0" noProof="0" dirty="0">
+              <a:ln>
+                <a:noFill/>
+              </a:ln>
+              <a:solidFill>
+                <a:prstClr val="white"/>
+              </a:solidFill>
+              <a:effectLst/>
+              <a:uLnTx/>
+              <a:uFillTx/>
+              <a:latin typeface="a반달곰" panose="02020600000000000000" pitchFamily="18" charset="-127"/>
+              <a:ea typeface="a반달곰" panose="02020600000000000000" pitchFamily="18" charset="-127"/>
+              <a:cs typeface="+mn-cs"/>
+            </a:endParaRPr>
           </a:p>
         </p:txBody>
       </p:sp>
@@ -5550,7 +5622,7 @@
                 <a:ea typeface="a반달곰" panose="02020600000000000000" pitchFamily="18" charset="-127"/>
                 <a:cs typeface="+mn-cs"/>
               </a:rPr>
-              <a:t>(2)</a:t>
+              <a:t>(10)</a:t>
             </a:r>
             <a:endParaRPr kumimoji="0" lang="ko-KR" altLang="en-US" sz="4400" b="0" i="0" u="none" strike="noStrike" kern="1200" cap="none" spc="0" normalizeH="0" baseline="0" noProof="0" dirty="0">
               <a:ln>
@@ -5669,8 +5741,8 @@
         </p:nvSpPr>
         <p:spPr>
           <a:xfrm>
-            <a:off x="6388895" y="610256"/>
-            <a:ext cx="3879056" cy="523220"/>
+            <a:off x="6541294" y="679103"/>
+            <a:ext cx="4807744" cy="461665"/>
           </a:xfrm>
           <a:prstGeom prst="rect">
             <a:avLst/>
@@ -5701,7 +5773,7 @@
               <a:defRPr/>
             </a:pPr>
             <a:r>
-              <a:rPr kumimoji="0" lang="en-US" altLang="ko-KR" sz="2800" b="0" i="0" u="none" strike="noStrike" kern="1200" cap="none" spc="0" normalizeH="0" baseline="0" noProof="0" dirty="0">
+              <a:rPr kumimoji="0" lang="en-US" altLang="ko-KR" sz="2400" b="0" i="0" u="none" strike="noStrike" kern="1200" cap="none" spc="0" normalizeH="0" baseline="0" noProof="0" dirty="0" err="1">
                 <a:ln>
                   <a:noFill/>
                 </a:ln>
@@ -5715,8 +5787,22 @@
                 <a:ea typeface="a반달곰" panose="02020600000000000000" pitchFamily="18" charset="-127"/>
                 <a:cs typeface="+mn-cs"/>
               </a:rPr>
-              <a:t>Initialize Part</a:t>
-            </a:r>
+              <a:t>Procedure_ErrorNotSuccess</a:t>
+            </a:r>
+            <a:endParaRPr kumimoji="0" lang="en-US" altLang="ko-KR" sz="2400" b="0" i="0" u="none" strike="noStrike" kern="1200" cap="none" spc="0" normalizeH="0" baseline="0" noProof="0" dirty="0">
+              <a:ln>
+                <a:noFill/>
+              </a:ln>
+              <a:solidFill>
+                <a:prstClr val="white"/>
+              </a:solidFill>
+              <a:effectLst/>
+              <a:uLnTx/>
+              <a:uFillTx/>
+              <a:latin typeface="a반달곰" panose="02020600000000000000" pitchFamily="18" charset="-127"/>
+              <a:ea typeface="a반달곰" panose="02020600000000000000" pitchFamily="18" charset="-127"/>
+              <a:cs typeface="+mn-cs"/>
+            </a:endParaRPr>
           </a:p>
         </p:txBody>
       </p:sp>
@@ -5915,7 +6001,7 @@
         <p:spPr>
           <a:xfrm>
             <a:off x="842962" y="392609"/>
-            <a:ext cx="6162675" cy="769441"/>
+            <a:ext cx="9415463" cy="769441"/>
           </a:xfrm>
           <a:prstGeom prst="rect">
             <a:avLst/>
@@ -5928,87 +6014,32 @@
           </a:bodyPr>
           <a:lstStyle/>
           <a:p>
-            <a:pPr marL="0" marR="0" lvl="0" indent="0" algn="l" defTabSz="914400" rtl="0" eaLnBrk="1" fontAlgn="auto" latinLnBrk="1" hangingPunct="1">
-              <a:lnSpc>
-                <a:spcPct val="100000"/>
-              </a:lnSpc>
-              <a:spcBef>
-                <a:spcPts val="0"/>
-              </a:spcBef>
-              <a:spcAft>
-                <a:spcPts val="0"/>
-              </a:spcAft>
-              <a:buClrTx/>
-              <a:buSzTx/>
-              <a:buFontTx/>
-              <a:buNone/>
-              <a:tabLst/>
-              <a:defRPr/>
-            </a:pPr>
-            <a:r>
-              <a:rPr kumimoji="0" lang="en-US" altLang="ko-KR" sz="4400" b="0" i="0" u="none" strike="noStrike" kern="1200" cap="none" spc="0" normalizeH="0" baseline="0" noProof="0" dirty="0">
-                <a:ln>
-                  <a:noFill/>
-                </a:ln>
-                <a:solidFill>
-                  <a:prstClr val="white"/>
-                </a:solidFill>
-                <a:effectLst/>
-                <a:uLnTx/>
-                <a:uFillTx/>
-                <a:latin typeface="a반달곰" panose="02020600000000000000" pitchFamily="18" charset="-127"/>
-                <a:ea typeface="a반달곰" panose="02020600000000000000" pitchFamily="18" charset="-127"/>
-                <a:cs typeface="+mn-cs"/>
-              </a:rPr>
-              <a:t>Blocks </a:t>
-            </a:r>
-            <a:r>
-              <a:rPr kumimoji="0" lang="ko-KR" altLang="en-US" sz="4400" b="0" i="0" u="none" strike="noStrike" kern="1200" cap="none" spc="0" normalizeH="0" baseline="0" noProof="0" dirty="0">
-                <a:ln>
-                  <a:noFill/>
-                </a:ln>
-                <a:solidFill>
-                  <a:prstClr val="white"/>
-                </a:solidFill>
-                <a:effectLst/>
-                <a:uLnTx/>
-                <a:uFillTx/>
-                <a:latin typeface="a반달곰" panose="02020600000000000000" pitchFamily="18" charset="-127"/>
-                <a:ea typeface="a반달곰" panose="02020600000000000000" pitchFamily="18" charset="-127"/>
-                <a:cs typeface="+mn-cs"/>
-              </a:rPr>
-              <a:t>코드 구성</a:t>
-            </a:r>
-            <a:r>
-              <a:rPr kumimoji="0" lang="en-US" altLang="ko-KR" sz="4400" b="0" i="0" u="none" strike="noStrike" kern="1200" cap="none" spc="0" normalizeH="0" baseline="0" noProof="0" dirty="0">
-                <a:ln>
-                  <a:noFill/>
-                </a:ln>
-                <a:solidFill>
-                  <a:prstClr val="white"/>
-                </a:solidFill>
-                <a:effectLst/>
-                <a:uLnTx/>
-                <a:uFillTx/>
-                <a:latin typeface="a반달곰" panose="02020600000000000000" pitchFamily="18" charset="-127"/>
-                <a:ea typeface="a반달곰" panose="02020600000000000000" pitchFamily="18" charset="-127"/>
-                <a:cs typeface="+mn-cs"/>
-              </a:rPr>
-              <a:t>(2)</a:t>
-            </a:r>
-            <a:endParaRPr kumimoji="0" lang="ko-KR" altLang="en-US" sz="4400" b="0" i="0" u="none" strike="noStrike" kern="1200" cap="none" spc="0" normalizeH="0" baseline="0" noProof="0" dirty="0">
-              <a:ln>
-                <a:noFill/>
-              </a:ln>
+            <a:r>
+              <a:rPr lang="en-US" altLang="ko-KR" sz="4400" dirty="0">
+                <a:solidFill>
+                  <a:schemeClr val="bg1"/>
+                </a:solidFill>
+                <a:latin typeface="a반달곰" panose="02020600000000000000" pitchFamily="18" charset="-127"/>
+                <a:ea typeface="a반달곰" panose="02020600000000000000" pitchFamily="18" charset="-127"/>
+              </a:rPr>
+              <a:t>UI </a:t>
+            </a:r>
+            <a:r>
+              <a:rPr lang="ko-KR" altLang="en-US" sz="4400" dirty="0">
+                <a:solidFill>
+                  <a:schemeClr val="bg1"/>
+                </a:solidFill>
+                <a:latin typeface="a반달곰" panose="02020600000000000000" pitchFamily="18" charset="-127"/>
+                <a:ea typeface="a반달곰" panose="02020600000000000000" pitchFamily="18" charset="-127"/>
+              </a:rPr>
+              <a:t>개선 사항</a:t>
+            </a:r>
+            <a:endParaRPr lang="en-US" altLang="ko-KR" sz="4400" dirty="0">
               <a:solidFill>
-                <a:prstClr val="white"/>
+                <a:schemeClr val="bg1"/>
               </a:solidFill>
-              <a:effectLst/>
-              <a:uLnTx/>
-              <a:uFillTx/>
               <a:latin typeface="a반달곰" panose="02020600000000000000" pitchFamily="18" charset="-127"/>
               <a:ea typeface="a반달곰" panose="02020600000000000000" pitchFamily="18" charset="-127"/>
-              <a:cs typeface="+mn-cs"/>
             </a:endParaRPr>
           </a:p>
         </p:txBody>
@@ -6030,7 +6061,7 @@
         <p:spPr>
           <a:xfrm>
             <a:off x="733425" y="1228725"/>
-            <a:ext cx="6162675" cy="0"/>
+            <a:ext cx="3990975" cy="0"/>
           </a:xfrm>
           <a:prstGeom prst="line">
             <a:avLst/>
@@ -6073,7 +6104,7 @@
         <p:spPr>
           <a:xfrm>
             <a:off x="733425" y="1323975"/>
-            <a:ext cx="6162675" cy="0"/>
+            <a:ext cx="3990975" cy="0"/>
           </a:xfrm>
           <a:prstGeom prst="line">
             <a:avLst/>
@@ -6099,75 +6130,10 @@
           </a:fontRef>
         </p:style>
       </p:cxnSp>
-      <p:sp>
-        <p:nvSpPr>
-          <p:cNvPr id="11" name="TextBox 10">
-            <a:extLst>
-              <a:ext uri="{FF2B5EF4-FFF2-40B4-BE49-F238E27FC236}">
-                <a16:creationId xmlns:a16="http://schemas.microsoft.com/office/drawing/2014/main" id="{B84250E4-408D-4732-A870-6051DDC3B8F9}"/>
-              </a:ext>
-            </a:extLst>
-          </p:cNvPr>
-          <p:cNvSpPr txBox="1"/>
-          <p:nvPr/>
-        </p:nvSpPr>
-        <p:spPr>
-          <a:xfrm>
-            <a:off x="6388895" y="610256"/>
-            <a:ext cx="3879056" cy="523220"/>
-          </a:xfrm>
-          <a:prstGeom prst="rect">
-            <a:avLst/>
-          </a:prstGeom>
-          <a:noFill/>
-        </p:spPr>
-        <p:txBody>
-          <a:bodyPr wrap="square" rtlCol="0">
-            <a:spAutoFit/>
-          </a:bodyPr>
-          <a:lstStyle/>
-          <a:p>
-            <a:pPr marL="0" marR="0" lvl="0" indent="0" algn="l" defTabSz="914400" rtl="0" eaLnBrk="1" fontAlgn="auto" latinLnBrk="1" hangingPunct="1">
-              <a:lnSpc>
-                <a:spcPct val="100000"/>
-              </a:lnSpc>
-              <a:spcBef>
-                <a:spcPts val="0"/>
-              </a:spcBef>
-              <a:spcAft>
-                <a:spcPts val="0"/>
-              </a:spcAft>
-              <a:buClrTx/>
-              <a:buSzTx/>
-              <a:buFontTx/>
-              <a:buNone/>
-              <a:tabLst/>
-              <a:defRPr/>
-            </a:pPr>
-            <a:r>
-              <a:rPr kumimoji="0" lang="en-US" altLang="ko-KR" sz="2800" b="0" i="0" u="none" strike="noStrike" kern="1200" cap="none" spc="0" normalizeH="0" baseline="0" noProof="0" dirty="0">
-                <a:ln>
-                  <a:noFill/>
-                </a:ln>
-                <a:solidFill>
-                  <a:prstClr val="white"/>
-                </a:solidFill>
-                <a:effectLst/>
-                <a:uLnTx/>
-                <a:uFillTx/>
-                <a:latin typeface="a반달곰" panose="02020600000000000000" pitchFamily="18" charset="-127"/>
-                <a:ea typeface="a반달곰" panose="02020600000000000000" pitchFamily="18" charset="-127"/>
-                <a:cs typeface="+mn-cs"/>
-              </a:rPr>
-              <a:t>Initialize Part</a:t>
-            </a:r>
-          </a:p>
-        </p:txBody>
-      </p:sp>
     </p:spTree>
     <p:extLst>
       <p:ext uri="{BB962C8B-B14F-4D97-AF65-F5344CB8AC3E}">
-        <p14:creationId xmlns:p14="http://schemas.microsoft.com/office/powerpoint/2010/main" val="3657818694"/>
+        <p14:creationId xmlns:p14="http://schemas.microsoft.com/office/powerpoint/2010/main" val="4112999570"/>
       </p:ext>
     </p:extLst>
   </p:cSld>
@@ -6298,7 +6264,7 @@
         <p:spPr>
           <a:xfrm>
             <a:off x="842962" y="392609"/>
-            <a:ext cx="6162675" cy="769441"/>
+            <a:ext cx="9415463" cy="769441"/>
           </a:xfrm>
           <a:prstGeom prst="rect">
             <a:avLst/>
@@ -6343,7 +6309,7 @@
                 <a:ea typeface="a반달곰" panose="02020600000000000000" pitchFamily="18" charset="-127"/>
                 <a:cs typeface="+mn-cs"/>
               </a:rPr>
-              <a:t>Blocks </a:t>
+              <a:t>UI </a:t>
             </a:r>
             <a:r>
               <a:rPr kumimoji="0" lang="ko-KR" altLang="en-US" sz="4400" b="0" i="0" u="none" strike="noStrike" kern="1200" cap="none" spc="0" normalizeH="0" baseline="0" noProof="0" dirty="0">
@@ -6360,24 +6326,304 @@
                 <a:ea typeface="a반달곰" panose="02020600000000000000" pitchFamily="18" charset="-127"/>
                 <a:cs typeface="+mn-cs"/>
               </a:rPr>
-              <a:t>코드 구성</a:t>
-            </a:r>
-            <a:r>
-              <a:rPr kumimoji="0" lang="en-US" altLang="ko-KR" sz="4400" b="0" i="0" u="none" strike="noStrike" kern="1200" cap="none" spc="0" normalizeH="0" baseline="0" noProof="0" dirty="0">
-                <a:ln>
-                  <a:noFill/>
-                </a:ln>
+              <a:t>개선 사항</a:t>
+            </a:r>
+            <a:endParaRPr kumimoji="0" lang="en-US" altLang="ko-KR" sz="4400" b="0" i="0" u="none" strike="noStrike" kern="1200" cap="none" spc="0" normalizeH="0" baseline="0" noProof="0" dirty="0">
+              <a:ln>
+                <a:noFill/>
+              </a:ln>
+              <a:solidFill>
+                <a:prstClr val="white"/>
+              </a:solidFill>
+              <a:effectLst/>
+              <a:uLnTx/>
+              <a:uFillTx/>
+              <a:latin typeface="a반달곰" panose="02020600000000000000" pitchFamily="18" charset="-127"/>
+              <a:ea typeface="a반달곰" panose="02020600000000000000" pitchFamily="18" charset="-127"/>
+              <a:cs typeface="+mn-cs"/>
+            </a:endParaRPr>
+          </a:p>
+        </p:txBody>
+      </p:sp>
+      <p:cxnSp>
+        <p:nvCxnSpPr>
+          <p:cNvPr id="3" name="직선 연결선 2">
+            <a:extLst>
+              <a:ext uri="{FF2B5EF4-FFF2-40B4-BE49-F238E27FC236}">
+                <a16:creationId xmlns:a16="http://schemas.microsoft.com/office/drawing/2014/main" id="{1CC00C8A-1CA0-4094-8AD1-C957061A3059}"/>
+              </a:ext>
+            </a:extLst>
+          </p:cNvPr>
+          <p:cNvCxnSpPr>
+            <a:cxnSpLocks/>
+          </p:cNvCxnSpPr>
+          <p:nvPr/>
+        </p:nvCxnSpPr>
+        <p:spPr>
+          <a:xfrm>
+            <a:off x="733425" y="1228725"/>
+            <a:ext cx="3990975" cy="0"/>
+          </a:xfrm>
+          <a:prstGeom prst="line">
+            <a:avLst/>
+          </a:prstGeom>
+          <a:ln w="38100">
+            <a:solidFill>
+              <a:schemeClr val="bg1"/>
+            </a:solidFill>
+          </a:ln>
+        </p:spPr>
+        <p:style>
+          <a:lnRef idx="1">
+            <a:schemeClr val="accent1"/>
+          </a:lnRef>
+          <a:fillRef idx="0">
+            <a:schemeClr val="accent1"/>
+          </a:fillRef>
+          <a:effectRef idx="0">
+            <a:schemeClr val="accent1"/>
+          </a:effectRef>
+          <a:fontRef idx="minor">
+            <a:schemeClr val="tx1"/>
+          </a:fontRef>
+        </p:style>
+      </p:cxnSp>
+      <p:cxnSp>
+        <p:nvCxnSpPr>
+          <p:cNvPr id="10" name="직선 연결선 9">
+            <a:extLst>
+              <a:ext uri="{FF2B5EF4-FFF2-40B4-BE49-F238E27FC236}">
+                <a16:creationId xmlns:a16="http://schemas.microsoft.com/office/drawing/2014/main" id="{DB5550CA-D125-413B-AC2C-972B09E44836}"/>
+              </a:ext>
+            </a:extLst>
+          </p:cNvPr>
+          <p:cNvCxnSpPr>
+            <a:cxnSpLocks/>
+          </p:cNvCxnSpPr>
+          <p:nvPr/>
+        </p:nvCxnSpPr>
+        <p:spPr>
+          <a:xfrm>
+            <a:off x="733425" y="1323975"/>
+            <a:ext cx="3990975" cy="0"/>
+          </a:xfrm>
+          <a:prstGeom prst="line">
+            <a:avLst/>
+          </a:prstGeom>
+          <a:ln w="38100">
+            <a:solidFill>
+              <a:schemeClr val="bg1"/>
+            </a:solidFill>
+          </a:ln>
+        </p:spPr>
+        <p:style>
+          <a:lnRef idx="1">
+            <a:schemeClr val="accent1"/>
+          </a:lnRef>
+          <a:fillRef idx="0">
+            <a:schemeClr val="accent1"/>
+          </a:fillRef>
+          <a:effectRef idx="0">
+            <a:schemeClr val="accent1"/>
+          </a:effectRef>
+          <a:fontRef idx="minor">
+            <a:schemeClr val="tx1"/>
+          </a:fontRef>
+        </p:style>
+      </p:cxnSp>
+    </p:spTree>
+    <p:extLst>
+      <p:ext uri="{BB962C8B-B14F-4D97-AF65-F5344CB8AC3E}">
+        <p14:creationId xmlns:p14="http://schemas.microsoft.com/office/powerpoint/2010/main" val="3103984515"/>
+      </p:ext>
+    </p:extLst>
+  </p:cSld>
+  <p:clrMapOvr>
+    <a:masterClrMapping/>
+  </p:clrMapOvr>
+</p:sld>
+</file>
+
+<file path=ppt/slides/slide17.xml><?xml version="1.0" encoding="utf-8"?>
+<p:sld xmlns:a="http://schemas.openxmlformats.org/drawingml/2006/main" xmlns:r="http://schemas.openxmlformats.org/officeDocument/2006/relationships" xmlns:p="http://schemas.openxmlformats.org/presentationml/2006/main">
+  <p:cSld>
+    <p:bg>
+      <p:bgPr>
+        <a:solidFill>
+          <a:srgbClr val="F8BAC3"/>
+        </a:solidFill>
+        <a:effectLst/>
+      </p:bgPr>
+    </p:bg>
+    <p:spTree>
+      <p:nvGrpSpPr>
+        <p:cNvPr id="1" name=""/>
+        <p:cNvGrpSpPr/>
+        <p:nvPr/>
+      </p:nvGrpSpPr>
+      <p:grpSpPr>
+        <a:xfrm>
+          <a:off x="0" y="0"/>
+          <a:ext cx="0" cy="0"/>
+          <a:chOff x="0" y="0"/>
+          <a:chExt cx="0" cy="0"/>
+        </a:xfrm>
+      </p:grpSpPr>
+      <p:sp>
+        <p:nvSpPr>
+          <p:cNvPr id="5" name="직사각형 4">
+            <a:extLst>
+              <a:ext uri="{FF2B5EF4-FFF2-40B4-BE49-F238E27FC236}">
+                <a16:creationId xmlns:a16="http://schemas.microsoft.com/office/drawing/2014/main" id="{FA2D001F-814F-4816-8B86-A14F32A763B5}"/>
+              </a:ext>
+            </a:extLst>
+          </p:cNvPr>
+          <p:cNvSpPr/>
+          <p:nvPr/>
+        </p:nvSpPr>
+        <p:spPr>
+          <a:xfrm>
+            <a:off x="400050" y="285750"/>
+            <a:ext cx="11534775" cy="6305550"/>
+          </a:xfrm>
+          <a:prstGeom prst="rect">
+            <a:avLst/>
+          </a:prstGeom>
+          <a:noFill/>
+          <a:ln w="57150">
+            <a:solidFill>
+              <a:schemeClr val="bg1"/>
+            </a:solidFill>
+          </a:ln>
+        </p:spPr>
+        <p:style>
+          <a:lnRef idx="2">
+            <a:schemeClr val="accent1">
+              <a:shade val="50000"/>
+            </a:schemeClr>
+          </a:lnRef>
+          <a:fillRef idx="1">
+            <a:schemeClr val="accent1"/>
+          </a:fillRef>
+          <a:effectRef idx="0">
+            <a:schemeClr val="accent1"/>
+          </a:effectRef>
+          <a:fontRef idx="minor">
+            <a:schemeClr val="lt1"/>
+          </a:fontRef>
+        </p:style>
+        <p:txBody>
+          <a:bodyPr rtlCol="0" anchor="ctr"/>
+          <a:lstStyle/>
+          <a:p>
+            <a:pPr marL="0" marR="0" lvl="0" indent="0" algn="ctr" defTabSz="914400" rtl="0" eaLnBrk="1" fontAlgn="auto" latinLnBrk="1" hangingPunct="1">
+              <a:lnSpc>
+                <a:spcPct val="100000"/>
+              </a:lnSpc>
+              <a:spcBef>
+                <a:spcPts val="0"/>
+              </a:spcBef>
+              <a:spcAft>
+                <a:spcPts val="0"/>
+              </a:spcAft>
+              <a:buClrTx/>
+              <a:buSzTx/>
+              <a:buFontTx/>
+              <a:buNone/>
+              <a:tabLst/>
+              <a:defRPr/>
+            </a:pPr>
+            <a:endParaRPr kumimoji="0" lang="ko-KR" altLang="en-US" sz="1800" b="0" i="0" u="none" strike="noStrike" kern="1200" cap="none" spc="0" normalizeH="0" baseline="0" noProof="0">
+              <a:ln>
+                <a:noFill/>
+              </a:ln>
+              <a:solidFill>
+                <a:prstClr val="white"/>
+              </a:solidFill>
+              <a:effectLst/>
+              <a:uLnTx/>
+              <a:uFillTx/>
+              <a:latin typeface="맑은 고딕" panose="020F0502020204030204"/>
+              <a:ea typeface="맑은 고딕" panose="020B0503020000020004" pitchFamily="50" charset="-127"/>
+              <a:cs typeface="+mn-cs"/>
+            </a:endParaRPr>
+          </a:p>
+        </p:txBody>
+      </p:sp>
+      <p:sp>
+        <p:nvSpPr>
+          <p:cNvPr id="9" name="TextBox 8">
+            <a:extLst>
+              <a:ext uri="{FF2B5EF4-FFF2-40B4-BE49-F238E27FC236}">
+                <a16:creationId xmlns:a16="http://schemas.microsoft.com/office/drawing/2014/main" id="{EE575279-192C-436E-8160-7C191F550995}"/>
+              </a:ext>
+            </a:extLst>
+          </p:cNvPr>
+          <p:cNvSpPr txBox="1"/>
+          <p:nvPr/>
+        </p:nvSpPr>
+        <p:spPr>
+          <a:xfrm>
+            <a:off x="842962" y="392609"/>
+            <a:ext cx="6162675" cy="769441"/>
+          </a:xfrm>
+          <a:prstGeom prst="rect">
+            <a:avLst/>
+          </a:prstGeom>
+          <a:noFill/>
+        </p:spPr>
+        <p:txBody>
+          <a:bodyPr wrap="square" rtlCol="0">
+            <a:spAutoFit/>
+          </a:bodyPr>
+          <a:lstStyle/>
+          <a:p>
+            <a:pPr marL="0" marR="0" lvl="0" indent="0" algn="l" defTabSz="914400" rtl="0" eaLnBrk="1" fontAlgn="auto" latinLnBrk="1" hangingPunct="1">
+              <a:lnSpc>
+                <a:spcPct val="100000"/>
+              </a:lnSpc>
+              <a:spcBef>
+                <a:spcPts val="0"/>
+              </a:spcBef>
+              <a:spcAft>
+                <a:spcPts val="0"/>
+              </a:spcAft>
+              <a:buClrTx/>
+              <a:buSzTx/>
+              <a:buFontTx/>
+              <a:buNone/>
+              <a:tabLst/>
+              <a:defRPr/>
+            </a:pPr>
+            <a:r>
+              <a:rPr lang="en-US" altLang="ko-KR" sz="4400" dirty="0">
                 <a:solidFill>
                   <a:prstClr val="white"/>
                 </a:solidFill>
-                <a:effectLst/>
-                <a:uLnTx/>
-                <a:uFillTx/>
-                <a:latin typeface="a반달곰" panose="02020600000000000000" pitchFamily="18" charset="-127"/>
-                <a:ea typeface="a반달곰" panose="02020600000000000000" pitchFamily="18" charset="-127"/>
-                <a:cs typeface="+mn-cs"/>
-              </a:rPr>
-              <a:t>(2)</a:t>
+                <a:latin typeface="a반달곰" panose="02020600000000000000" pitchFamily="18" charset="-127"/>
+                <a:ea typeface="a반달곰" panose="02020600000000000000" pitchFamily="18" charset="-127"/>
+              </a:rPr>
+              <a:t>Web API </a:t>
+            </a:r>
+            <a:r>
+              <a:rPr lang="ko-KR" altLang="en-US" sz="4400" dirty="0">
+                <a:solidFill>
+                  <a:prstClr val="white"/>
+                </a:solidFill>
+                <a:latin typeface="a반달곰" panose="02020600000000000000" pitchFamily="18" charset="-127"/>
+                <a:ea typeface="a반달곰" panose="02020600000000000000" pitchFamily="18" charset="-127"/>
+              </a:rPr>
+              <a:t>디버깅</a:t>
+            </a:r>
+            <a:r>
+              <a:rPr lang="en-US" altLang="ko-KR" sz="4400" dirty="0">
+                <a:solidFill>
+                  <a:prstClr val="white"/>
+                </a:solidFill>
+                <a:latin typeface="a반달곰" panose="02020600000000000000" pitchFamily="18" charset="-127"/>
+                <a:ea typeface="a반달곰" panose="02020600000000000000" pitchFamily="18" charset="-127"/>
+              </a:rPr>
+              <a:t>(1)</a:t>
             </a:r>
             <a:endParaRPr kumimoji="0" lang="ko-KR" altLang="en-US" sz="4400" b="0" i="0" u="none" strike="noStrike" kern="1200" cap="none" spc="0" normalizeH="0" baseline="0" noProof="0" dirty="0">
               <a:ln>
@@ -6496,8 +6742,8 @@
         </p:nvSpPr>
         <p:spPr>
           <a:xfrm>
-            <a:off x="6388895" y="610256"/>
-            <a:ext cx="3879056" cy="523220"/>
+            <a:off x="5931695" y="361830"/>
+            <a:ext cx="5526880" cy="830997"/>
           </a:xfrm>
           <a:prstGeom prst="rect">
             <a:avLst/>
@@ -6528,29 +6774,1018 @@
               <a:defRPr/>
             </a:pPr>
             <a:r>
-              <a:rPr kumimoji="0" lang="en-US" altLang="ko-KR" sz="2800" b="0" i="0" u="none" strike="noStrike" kern="1200" cap="none" spc="0" normalizeH="0" baseline="0" noProof="0" dirty="0">
-                <a:ln>
-                  <a:noFill/>
-                </a:ln>
+              <a:rPr lang="ko-KR" altLang="en-US" sz="2400" dirty="0">
                 <a:solidFill>
                   <a:prstClr val="white"/>
                 </a:solidFill>
-                <a:effectLst/>
-                <a:uLnTx/>
-                <a:uFillTx/>
-                <a:latin typeface="a반달곰" panose="02020600000000000000" pitchFamily="18" charset="-127"/>
-                <a:ea typeface="a반달곰" panose="02020600000000000000" pitchFamily="18" charset="-127"/>
-                <a:cs typeface="+mn-cs"/>
-              </a:rPr>
-              <a:t>Initialize Part</a:t>
-            </a:r>
+                <a:latin typeface="a반달곰" panose="02020600000000000000" pitchFamily="18" charset="-127"/>
+                <a:ea typeface="a반달곰" panose="02020600000000000000" pitchFamily="18" charset="-127"/>
+              </a:rPr>
+              <a:t>정상 작동</a:t>
+            </a:r>
+            <a:endParaRPr lang="en-US" altLang="ko-KR" sz="2400" dirty="0">
+              <a:solidFill>
+                <a:prstClr val="white"/>
+              </a:solidFill>
+              <a:latin typeface="a반달곰" panose="02020600000000000000" pitchFamily="18" charset="-127"/>
+              <a:ea typeface="a반달곰" panose="02020600000000000000" pitchFamily="18" charset="-127"/>
+            </a:endParaRPr>
+          </a:p>
+          <a:p>
+            <a:pPr marL="0" marR="0" lvl="0" indent="0" algn="l" defTabSz="914400" rtl="0" eaLnBrk="1" fontAlgn="auto" latinLnBrk="1" hangingPunct="1">
+              <a:lnSpc>
+                <a:spcPct val="100000"/>
+              </a:lnSpc>
+              <a:spcBef>
+                <a:spcPts val="0"/>
+              </a:spcBef>
+              <a:spcAft>
+                <a:spcPts val="0"/>
+              </a:spcAft>
+              <a:buClrTx/>
+              <a:buSzTx/>
+              <a:buFontTx/>
+              <a:buNone/>
+              <a:tabLst/>
+              <a:defRPr/>
+            </a:pPr>
+            <a:r>
+              <a:rPr lang="en-US" altLang="ko-KR" sz="2400" dirty="0">
+                <a:solidFill>
+                  <a:prstClr val="white"/>
+                </a:solidFill>
+                <a:latin typeface="a반달곰" panose="02020600000000000000" pitchFamily="18" charset="-127"/>
+                <a:ea typeface="a반달곰" panose="02020600000000000000" pitchFamily="18" charset="-127"/>
+              </a:rPr>
+              <a:t>(</a:t>
+            </a:r>
+            <a:r>
+              <a:rPr lang="ko-KR" altLang="en-US" sz="2400" dirty="0">
+                <a:solidFill>
+                  <a:prstClr val="white"/>
+                </a:solidFill>
+                <a:latin typeface="a반달곰" panose="02020600000000000000" pitchFamily="18" charset="-127"/>
+                <a:ea typeface="a반달곰" panose="02020600000000000000" pitchFamily="18" charset="-127"/>
+              </a:rPr>
+              <a:t>두 자연수가 입력 되었을 때</a:t>
+            </a:r>
+            <a:r>
+              <a:rPr lang="en-US" altLang="ko-KR" sz="2400" dirty="0">
+                <a:solidFill>
+                  <a:prstClr val="white"/>
+                </a:solidFill>
+                <a:latin typeface="a반달곰" panose="02020600000000000000" pitchFamily="18" charset="-127"/>
+                <a:ea typeface="a반달곰" panose="02020600000000000000" pitchFamily="18" charset="-127"/>
+              </a:rPr>
+              <a:t>)</a:t>
+            </a:r>
+            <a:endParaRPr kumimoji="0" lang="en-US" altLang="ko-KR" sz="2400" b="0" i="0" u="none" strike="noStrike" kern="1200" cap="none" spc="0" normalizeH="0" baseline="0" noProof="0" dirty="0">
+              <a:ln>
+                <a:noFill/>
+              </a:ln>
+              <a:solidFill>
+                <a:prstClr val="white"/>
+              </a:solidFill>
+              <a:effectLst/>
+              <a:uLnTx/>
+              <a:uFillTx/>
+              <a:latin typeface="a반달곰" panose="02020600000000000000" pitchFamily="18" charset="-127"/>
+              <a:ea typeface="a반달곰" panose="02020600000000000000" pitchFamily="18" charset="-127"/>
+              <a:cs typeface="+mn-cs"/>
+            </a:endParaRPr>
           </a:p>
         </p:txBody>
       </p:sp>
     </p:spTree>
     <p:extLst>
       <p:ext uri="{BB962C8B-B14F-4D97-AF65-F5344CB8AC3E}">
-        <p14:creationId xmlns:p14="http://schemas.microsoft.com/office/powerpoint/2010/main" val="1162415102"/>
+        <p14:creationId xmlns:p14="http://schemas.microsoft.com/office/powerpoint/2010/main" val="3657818694"/>
+      </p:ext>
+    </p:extLst>
+  </p:cSld>
+  <p:clrMapOvr>
+    <a:masterClrMapping/>
+  </p:clrMapOvr>
+</p:sld>
+</file>
+
+<file path=ppt/slides/slide18.xml><?xml version="1.0" encoding="utf-8"?>
+<p:sld xmlns:a="http://schemas.openxmlformats.org/drawingml/2006/main" xmlns:r="http://schemas.openxmlformats.org/officeDocument/2006/relationships" xmlns:p="http://schemas.openxmlformats.org/presentationml/2006/main">
+  <p:cSld>
+    <p:bg>
+      <p:bgPr>
+        <a:solidFill>
+          <a:srgbClr val="F8BAC3"/>
+        </a:solidFill>
+        <a:effectLst/>
+      </p:bgPr>
+    </p:bg>
+    <p:spTree>
+      <p:nvGrpSpPr>
+        <p:cNvPr id="1" name=""/>
+        <p:cNvGrpSpPr/>
+        <p:nvPr/>
+      </p:nvGrpSpPr>
+      <p:grpSpPr>
+        <a:xfrm>
+          <a:off x="0" y="0"/>
+          <a:ext cx="0" cy="0"/>
+          <a:chOff x="0" y="0"/>
+          <a:chExt cx="0" cy="0"/>
+        </a:xfrm>
+      </p:grpSpPr>
+      <p:sp>
+        <p:nvSpPr>
+          <p:cNvPr id="5" name="직사각형 4">
+            <a:extLst>
+              <a:ext uri="{FF2B5EF4-FFF2-40B4-BE49-F238E27FC236}">
+                <a16:creationId xmlns:a16="http://schemas.microsoft.com/office/drawing/2014/main" id="{FA2D001F-814F-4816-8B86-A14F32A763B5}"/>
+              </a:ext>
+            </a:extLst>
+          </p:cNvPr>
+          <p:cNvSpPr/>
+          <p:nvPr/>
+        </p:nvSpPr>
+        <p:spPr>
+          <a:xfrm>
+            <a:off x="400050" y="285750"/>
+            <a:ext cx="11534775" cy="6305550"/>
+          </a:xfrm>
+          <a:prstGeom prst="rect">
+            <a:avLst/>
+          </a:prstGeom>
+          <a:noFill/>
+          <a:ln w="57150">
+            <a:solidFill>
+              <a:schemeClr val="bg1"/>
+            </a:solidFill>
+          </a:ln>
+        </p:spPr>
+        <p:style>
+          <a:lnRef idx="2">
+            <a:schemeClr val="accent1">
+              <a:shade val="50000"/>
+            </a:schemeClr>
+          </a:lnRef>
+          <a:fillRef idx="1">
+            <a:schemeClr val="accent1"/>
+          </a:fillRef>
+          <a:effectRef idx="0">
+            <a:schemeClr val="accent1"/>
+          </a:effectRef>
+          <a:fontRef idx="minor">
+            <a:schemeClr val="lt1"/>
+          </a:fontRef>
+        </p:style>
+        <p:txBody>
+          <a:bodyPr rtlCol="0" anchor="ctr"/>
+          <a:lstStyle/>
+          <a:p>
+            <a:pPr marL="0" marR="0" lvl="0" indent="0" algn="ctr" defTabSz="914400" rtl="0" eaLnBrk="1" fontAlgn="auto" latinLnBrk="1" hangingPunct="1">
+              <a:lnSpc>
+                <a:spcPct val="100000"/>
+              </a:lnSpc>
+              <a:spcBef>
+                <a:spcPts val="0"/>
+              </a:spcBef>
+              <a:spcAft>
+                <a:spcPts val="0"/>
+              </a:spcAft>
+              <a:buClrTx/>
+              <a:buSzTx/>
+              <a:buFontTx/>
+              <a:buNone/>
+              <a:tabLst/>
+              <a:defRPr/>
+            </a:pPr>
+            <a:endParaRPr kumimoji="0" lang="ko-KR" altLang="en-US" sz="1800" b="0" i="0" u="none" strike="noStrike" kern="1200" cap="none" spc="0" normalizeH="0" baseline="0" noProof="0">
+              <a:ln>
+                <a:noFill/>
+              </a:ln>
+              <a:solidFill>
+                <a:prstClr val="white"/>
+              </a:solidFill>
+              <a:effectLst/>
+              <a:uLnTx/>
+              <a:uFillTx/>
+              <a:latin typeface="맑은 고딕" panose="020F0502020204030204"/>
+              <a:ea typeface="맑은 고딕" panose="020B0503020000020004" pitchFamily="50" charset="-127"/>
+              <a:cs typeface="+mn-cs"/>
+            </a:endParaRPr>
+          </a:p>
+        </p:txBody>
+      </p:sp>
+      <p:sp>
+        <p:nvSpPr>
+          <p:cNvPr id="9" name="TextBox 8">
+            <a:extLst>
+              <a:ext uri="{FF2B5EF4-FFF2-40B4-BE49-F238E27FC236}">
+                <a16:creationId xmlns:a16="http://schemas.microsoft.com/office/drawing/2014/main" id="{EE575279-192C-436E-8160-7C191F550995}"/>
+              </a:ext>
+            </a:extLst>
+          </p:cNvPr>
+          <p:cNvSpPr txBox="1"/>
+          <p:nvPr/>
+        </p:nvSpPr>
+        <p:spPr>
+          <a:xfrm>
+            <a:off x="842962" y="392609"/>
+            <a:ext cx="6162675" cy="769441"/>
+          </a:xfrm>
+          <a:prstGeom prst="rect">
+            <a:avLst/>
+          </a:prstGeom>
+          <a:noFill/>
+        </p:spPr>
+        <p:txBody>
+          <a:bodyPr wrap="square" rtlCol="0">
+            <a:spAutoFit/>
+          </a:bodyPr>
+          <a:lstStyle/>
+          <a:p>
+            <a:pPr marL="0" marR="0" lvl="0" indent="0" algn="l" defTabSz="914400" rtl="0" eaLnBrk="1" fontAlgn="auto" latinLnBrk="1" hangingPunct="1">
+              <a:lnSpc>
+                <a:spcPct val="100000"/>
+              </a:lnSpc>
+              <a:spcBef>
+                <a:spcPts val="0"/>
+              </a:spcBef>
+              <a:spcAft>
+                <a:spcPts val="0"/>
+              </a:spcAft>
+              <a:buClrTx/>
+              <a:buSzTx/>
+              <a:buFontTx/>
+              <a:buNone/>
+              <a:tabLst/>
+              <a:defRPr/>
+            </a:pPr>
+            <a:r>
+              <a:rPr kumimoji="0" lang="en-US" altLang="ko-KR" sz="4400" b="0" i="0" u="none" strike="noStrike" kern="1200" cap="none" spc="0" normalizeH="0" baseline="0" noProof="0" dirty="0">
+                <a:ln>
+                  <a:noFill/>
+                </a:ln>
+                <a:solidFill>
+                  <a:prstClr val="white"/>
+                </a:solidFill>
+                <a:effectLst/>
+                <a:uLnTx/>
+                <a:uFillTx/>
+                <a:latin typeface="a반달곰" panose="02020600000000000000" pitchFamily="18" charset="-127"/>
+                <a:ea typeface="a반달곰" panose="02020600000000000000" pitchFamily="18" charset="-127"/>
+                <a:cs typeface="+mn-cs"/>
+              </a:rPr>
+              <a:t>Web API </a:t>
+            </a:r>
+            <a:r>
+              <a:rPr kumimoji="0" lang="ko-KR" altLang="en-US" sz="4400" b="0" i="0" u="none" strike="noStrike" kern="1200" cap="none" spc="0" normalizeH="0" baseline="0" noProof="0" dirty="0">
+                <a:ln>
+                  <a:noFill/>
+                </a:ln>
+                <a:solidFill>
+                  <a:prstClr val="white"/>
+                </a:solidFill>
+                <a:effectLst/>
+                <a:uLnTx/>
+                <a:uFillTx/>
+                <a:latin typeface="a반달곰" panose="02020600000000000000" pitchFamily="18" charset="-127"/>
+                <a:ea typeface="a반달곰" panose="02020600000000000000" pitchFamily="18" charset="-127"/>
+                <a:cs typeface="+mn-cs"/>
+              </a:rPr>
+              <a:t>디버깅</a:t>
+            </a:r>
+            <a:r>
+              <a:rPr kumimoji="0" lang="en-US" altLang="ko-KR" sz="4400" b="0" i="0" u="none" strike="noStrike" kern="1200" cap="none" spc="0" normalizeH="0" baseline="0" noProof="0" dirty="0">
+                <a:ln>
+                  <a:noFill/>
+                </a:ln>
+                <a:solidFill>
+                  <a:prstClr val="white"/>
+                </a:solidFill>
+                <a:effectLst/>
+                <a:uLnTx/>
+                <a:uFillTx/>
+                <a:latin typeface="a반달곰" panose="02020600000000000000" pitchFamily="18" charset="-127"/>
+                <a:ea typeface="a반달곰" panose="02020600000000000000" pitchFamily="18" charset="-127"/>
+                <a:cs typeface="+mn-cs"/>
+              </a:rPr>
+              <a:t>(2)</a:t>
+            </a:r>
+            <a:endParaRPr kumimoji="0" lang="ko-KR" altLang="en-US" sz="4400" b="0" i="0" u="none" strike="noStrike" kern="1200" cap="none" spc="0" normalizeH="0" baseline="0" noProof="0" dirty="0">
+              <a:ln>
+                <a:noFill/>
+              </a:ln>
+              <a:solidFill>
+                <a:prstClr val="white"/>
+              </a:solidFill>
+              <a:effectLst/>
+              <a:uLnTx/>
+              <a:uFillTx/>
+              <a:latin typeface="a반달곰" panose="02020600000000000000" pitchFamily="18" charset="-127"/>
+              <a:ea typeface="a반달곰" panose="02020600000000000000" pitchFamily="18" charset="-127"/>
+              <a:cs typeface="+mn-cs"/>
+            </a:endParaRPr>
+          </a:p>
+        </p:txBody>
+      </p:sp>
+      <p:cxnSp>
+        <p:nvCxnSpPr>
+          <p:cNvPr id="3" name="직선 연결선 2">
+            <a:extLst>
+              <a:ext uri="{FF2B5EF4-FFF2-40B4-BE49-F238E27FC236}">
+                <a16:creationId xmlns:a16="http://schemas.microsoft.com/office/drawing/2014/main" id="{1CC00C8A-1CA0-4094-8AD1-C957061A3059}"/>
+              </a:ext>
+            </a:extLst>
+          </p:cNvPr>
+          <p:cNvCxnSpPr>
+            <a:cxnSpLocks/>
+          </p:cNvCxnSpPr>
+          <p:nvPr/>
+        </p:nvCxnSpPr>
+        <p:spPr>
+          <a:xfrm>
+            <a:off x="733425" y="1228725"/>
+            <a:ext cx="6162675" cy="0"/>
+          </a:xfrm>
+          <a:prstGeom prst="line">
+            <a:avLst/>
+          </a:prstGeom>
+          <a:ln w="38100">
+            <a:solidFill>
+              <a:schemeClr val="bg1"/>
+            </a:solidFill>
+          </a:ln>
+        </p:spPr>
+        <p:style>
+          <a:lnRef idx="1">
+            <a:schemeClr val="accent1"/>
+          </a:lnRef>
+          <a:fillRef idx="0">
+            <a:schemeClr val="accent1"/>
+          </a:fillRef>
+          <a:effectRef idx="0">
+            <a:schemeClr val="accent1"/>
+          </a:effectRef>
+          <a:fontRef idx="minor">
+            <a:schemeClr val="tx1"/>
+          </a:fontRef>
+        </p:style>
+      </p:cxnSp>
+      <p:cxnSp>
+        <p:nvCxnSpPr>
+          <p:cNvPr id="10" name="직선 연결선 9">
+            <a:extLst>
+              <a:ext uri="{FF2B5EF4-FFF2-40B4-BE49-F238E27FC236}">
+                <a16:creationId xmlns:a16="http://schemas.microsoft.com/office/drawing/2014/main" id="{DB5550CA-D125-413B-AC2C-972B09E44836}"/>
+              </a:ext>
+            </a:extLst>
+          </p:cNvPr>
+          <p:cNvCxnSpPr>
+            <a:cxnSpLocks/>
+          </p:cNvCxnSpPr>
+          <p:nvPr/>
+        </p:nvCxnSpPr>
+        <p:spPr>
+          <a:xfrm>
+            <a:off x="733425" y="1323975"/>
+            <a:ext cx="6162675" cy="0"/>
+          </a:xfrm>
+          <a:prstGeom prst="line">
+            <a:avLst/>
+          </a:prstGeom>
+          <a:ln w="38100">
+            <a:solidFill>
+              <a:schemeClr val="bg1"/>
+            </a:solidFill>
+          </a:ln>
+        </p:spPr>
+        <p:style>
+          <a:lnRef idx="1">
+            <a:schemeClr val="accent1"/>
+          </a:lnRef>
+          <a:fillRef idx="0">
+            <a:schemeClr val="accent1"/>
+          </a:fillRef>
+          <a:effectRef idx="0">
+            <a:schemeClr val="accent1"/>
+          </a:effectRef>
+          <a:fontRef idx="minor">
+            <a:schemeClr val="tx1"/>
+          </a:fontRef>
+        </p:style>
+      </p:cxnSp>
+      <p:sp>
+        <p:nvSpPr>
+          <p:cNvPr id="11" name="TextBox 10">
+            <a:extLst>
+              <a:ext uri="{FF2B5EF4-FFF2-40B4-BE49-F238E27FC236}">
+                <a16:creationId xmlns:a16="http://schemas.microsoft.com/office/drawing/2014/main" id="{B84250E4-408D-4732-A870-6051DDC3B8F9}"/>
+              </a:ext>
+            </a:extLst>
+          </p:cNvPr>
+          <p:cNvSpPr txBox="1"/>
+          <p:nvPr/>
+        </p:nvSpPr>
+        <p:spPr>
+          <a:xfrm>
+            <a:off x="5931695" y="361830"/>
+            <a:ext cx="5526880" cy="830997"/>
+          </a:xfrm>
+          <a:prstGeom prst="rect">
+            <a:avLst/>
+          </a:prstGeom>
+          <a:noFill/>
+        </p:spPr>
+        <p:txBody>
+          <a:bodyPr wrap="square" rtlCol="0">
+            <a:spAutoFit/>
+          </a:bodyPr>
+          <a:lstStyle/>
+          <a:p>
+            <a:pPr marL="0" marR="0" lvl="0" indent="0" algn="l" defTabSz="914400" rtl="0" eaLnBrk="1" fontAlgn="auto" latinLnBrk="1" hangingPunct="1">
+              <a:lnSpc>
+                <a:spcPct val="100000"/>
+              </a:lnSpc>
+              <a:spcBef>
+                <a:spcPts val="0"/>
+              </a:spcBef>
+              <a:spcAft>
+                <a:spcPts val="0"/>
+              </a:spcAft>
+              <a:buClrTx/>
+              <a:buSzTx/>
+              <a:buFontTx/>
+              <a:buNone/>
+              <a:tabLst/>
+              <a:defRPr/>
+            </a:pPr>
+            <a:r>
+              <a:rPr lang="en-US" altLang="ko-KR" sz="2400" dirty="0">
+                <a:solidFill>
+                  <a:prstClr val="white"/>
+                </a:solidFill>
+                <a:latin typeface="a반달곰" panose="02020600000000000000" pitchFamily="18" charset="-127"/>
+                <a:ea typeface="a반달곰" panose="02020600000000000000" pitchFamily="18" charset="-127"/>
+              </a:rPr>
+              <a:t>Error</a:t>
+            </a:r>
+            <a:endParaRPr kumimoji="0" lang="en-US" altLang="ko-KR" sz="2400" b="0" i="0" u="none" strike="noStrike" kern="1200" cap="none" spc="0" normalizeH="0" baseline="0" noProof="0" dirty="0">
+              <a:ln>
+                <a:noFill/>
+              </a:ln>
+              <a:solidFill>
+                <a:prstClr val="white"/>
+              </a:solidFill>
+              <a:effectLst/>
+              <a:uLnTx/>
+              <a:uFillTx/>
+              <a:latin typeface="a반달곰" panose="02020600000000000000" pitchFamily="18" charset="-127"/>
+              <a:ea typeface="a반달곰" panose="02020600000000000000" pitchFamily="18" charset="-127"/>
+              <a:cs typeface="+mn-cs"/>
+            </a:endParaRPr>
+          </a:p>
+          <a:p>
+            <a:pPr marL="0" marR="0" lvl="0" indent="0" algn="l" defTabSz="914400" rtl="0" eaLnBrk="1" fontAlgn="auto" latinLnBrk="1" hangingPunct="1">
+              <a:lnSpc>
+                <a:spcPct val="100000"/>
+              </a:lnSpc>
+              <a:spcBef>
+                <a:spcPts val="0"/>
+              </a:spcBef>
+              <a:spcAft>
+                <a:spcPts val="0"/>
+              </a:spcAft>
+              <a:buClrTx/>
+              <a:buSzTx/>
+              <a:buFontTx/>
+              <a:buNone/>
+              <a:tabLst/>
+              <a:defRPr/>
+            </a:pPr>
+            <a:r>
+              <a:rPr kumimoji="0" lang="en-US" altLang="ko-KR" sz="2400" b="0" i="0" u="none" strike="noStrike" kern="1200" cap="none" spc="0" normalizeH="0" baseline="0" noProof="0" dirty="0">
+                <a:ln>
+                  <a:noFill/>
+                </a:ln>
+                <a:solidFill>
+                  <a:prstClr val="white"/>
+                </a:solidFill>
+                <a:effectLst/>
+                <a:uLnTx/>
+                <a:uFillTx/>
+                <a:latin typeface="a반달곰" panose="02020600000000000000" pitchFamily="18" charset="-127"/>
+                <a:ea typeface="a반달곰" panose="02020600000000000000" pitchFamily="18" charset="-127"/>
+                <a:cs typeface="+mn-cs"/>
+              </a:rPr>
+              <a:t>(</a:t>
+            </a:r>
+            <a:r>
+              <a:rPr kumimoji="0" lang="ko-KR" altLang="en-US" sz="2400" b="0" i="0" u="none" strike="noStrike" kern="1200" cap="none" spc="0" normalizeH="0" baseline="0" noProof="0" dirty="0">
+                <a:ln>
+                  <a:noFill/>
+                </a:ln>
+                <a:solidFill>
+                  <a:prstClr val="white"/>
+                </a:solidFill>
+                <a:effectLst/>
+                <a:uLnTx/>
+                <a:uFillTx/>
+                <a:latin typeface="a반달곰" panose="02020600000000000000" pitchFamily="18" charset="-127"/>
+                <a:ea typeface="a반달곰" panose="02020600000000000000" pitchFamily="18" charset="-127"/>
+                <a:cs typeface="+mn-cs"/>
+              </a:rPr>
+              <a:t>입력이 안 되었을 때</a:t>
+            </a:r>
+            <a:r>
+              <a:rPr kumimoji="0" lang="en-US" altLang="ko-KR" sz="2400" b="0" i="0" u="none" strike="noStrike" kern="1200" cap="none" spc="0" normalizeH="0" baseline="0" noProof="0" dirty="0">
+                <a:ln>
+                  <a:noFill/>
+                </a:ln>
+                <a:solidFill>
+                  <a:prstClr val="white"/>
+                </a:solidFill>
+                <a:effectLst/>
+                <a:uLnTx/>
+                <a:uFillTx/>
+                <a:latin typeface="a반달곰" panose="02020600000000000000" pitchFamily="18" charset="-127"/>
+                <a:ea typeface="a반달곰" panose="02020600000000000000" pitchFamily="18" charset="-127"/>
+                <a:cs typeface="+mn-cs"/>
+              </a:rPr>
+              <a:t>)</a:t>
+            </a:r>
+          </a:p>
+        </p:txBody>
+      </p:sp>
+    </p:spTree>
+    <p:extLst>
+      <p:ext uri="{BB962C8B-B14F-4D97-AF65-F5344CB8AC3E}">
+        <p14:creationId xmlns:p14="http://schemas.microsoft.com/office/powerpoint/2010/main" val="3388677590"/>
+      </p:ext>
+    </p:extLst>
+  </p:cSld>
+  <p:clrMapOvr>
+    <a:masterClrMapping/>
+  </p:clrMapOvr>
+</p:sld>
+</file>
+
+<file path=ppt/slides/slide19.xml><?xml version="1.0" encoding="utf-8"?>
+<p:sld xmlns:a="http://schemas.openxmlformats.org/drawingml/2006/main" xmlns:r="http://schemas.openxmlformats.org/officeDocument/2006/relationships" xmlns:p="http://schemas.openxmlformats.org/presentationml/2006/main">
+  <p:cSld>
+    <p:bg>
+      <p:bgPr>
+        <a:solidFill>
+          <a:srgbClr val="F8BAC3"/>
+        </a:solidFill>
+        <a:effectLst/>
+      </p:bgPr>
+    </p:bg>
+    <p:spTree>
+      <p:nvGrpSpPr>
+        <p:cNvPr id="1" name=""/>
+        <p:cNvGrpSpPr/>
+        <p:nvPr/>
+      </p:nvGrpSpPr>
+      <p:grpSpPr>
+        <a:xfrm>
+          <a:off x="0" y="0"/>
+          <a:ext cx="0" cy="0"/>
+          <a:chOff x="0" y="0"/>
+          <a:chExt cx="0" cy="0"/>
+        </a:xfrm>
+      </p:grpSpPr>
+      <p:sp>
+        <p:nvSpPr>
+          <p:cNvPr id="5" name="직사각형 4">
+            <a:extLst>
+              <a:ext uri="{FF2B5EF4-FFF2-40B4-BE49-F238E27FC236}">
+                <a16:creationId xmlns:a16="http://schemas.microsoft.com/office/drawing/2014/main" id="{FA2D001F-814F-4816-8B86-A14F32A763B5}"/>
+              </a:ext>
+            </a:extLst>
+          </p:cNvPr>
+          <p:cNvSpPr/>
+          <p:nvPr/>
+        </p:nvSpPr>
+        <p:spPr>
+          <a:xfrm>
+            <a:off x="400050" y="285750"/>
+            <a:ext cx="11534775" cy="6305550"/>
+          </a:xfrm>
+          <a:prstGeom prst="rect">
+            <a:avLst/>
+          </a:prstGeom>
+          <a:noFill/>
+          <a:ln w="57150">
+            <a:solidFill>
+              <a:schemeClr val="bg1"/>
+            </a:solidFill>
+          </a:ln>
+        </p:spPr>
+        <p:style>
+          <a:lnRef idx="2">
+            <a:schemeClr val="accent1">
+              <a:shade val="50000"/>
+            </a:schemeClr>
+          </a:lnRef>
+          <a:fillRef idx="1">
+            <a:schemeClr val="accent1"/>
+          </a:fillRef>
+          <a:effectRef idx="0">
+            <a:schemeClr val="accent1"/>
+          </a:effectRef>
+          <a:fontRef idx="minor">
+            <a:schemeClr val="lt1"/>
+          </a:fontRef>
+        </p:style>
+        <p:txBody>
+          <a:bodyPr rtlCol="0" anchor="ctr"/>
+          <a:lstStyle/>
+          <a:p>
+            <a:pPr marL="0" marR="0" lvl="0" indent="0" algn="ctr" defTabSz="914400" rtl="0" eaLnBrk="1" fontAlgn="auto" latinLnBrk="1" hangingPunct="1">
+              <a:lnSpc>
+                <a:spcPct val="100000"/>
+              </a:lnSpc>
+              <a:spcBef>
+                <a:spcPts val="0"/>
+              </a:spcBef>
+              <a:spcAft>
+                <a:spcPts val="0"/>
+              </a:spcAft>
+              <a:buClrTx/>
+              <a:buSzTx/>
+              <a:buFontTx/>
+              <a:buNone/>
+              <a:tabLst/>
+              <a:defRPr/>
+            </a:pPr>
+            <a:endParaRPr kumimoji="0" lang="ko-KR" altLang="en-US" sz="1800" b="0" i="0" u="none" strike="noStrike" kern="1200" cap="none" spc="0" normalizeH="0" baseline="0" noProof="0">
+              <a:ln>
+                <a:noFill/>
+              </a:ln>
+              <a:solidFill>
+                <a:prstClr val="white"/>
+              </a:solidFill>
+              <a:effectLst/>
+              <a:uLnTx/>
+              <a:uFillTx/>
+              <a:latin typeface="맑은 고딕" panose="020F0502020204030204"/>
+              <a:ea typeface="맑은 고딕" panose="020B0503020000020004" pitchFamily="50" charset="-127"/>
+              <a:cs typeface="+mn-cs"/>
+            </a:endParaRPr>
+          </a:p>
+        </p:txBody>
+      </p:sp>
+      <p:sp>
+        <p:nvSpPr>
+          <p:cNvPr id="9" name="TextBox 8">
+            <a:extLst>
+              <a:ext uri="{FF2B5EF4-FFF2-40B4-BE49-F238E27FC236}">
+                <a16:creationId xmlns:a16="http://schemas.microsoft.com/office/drawing/2014/main" id="{EE575279-192C-436E-8160-7C191F550995}"/>
+              </a:ext>
+            </a:extLst>
+          </p:cNvPr>
+          <p:cNvSpPr txBox="1"/>
+          <p:nvPr/>
+        </p:nvSpPr>
+        <p:spPr>
+          <a:xfrm>
+            <a:off x="842962" y="392609"/>
+            <a:ext cx="6162675" cy="769441"/>
+          </a:xfrm>
+          <a:prstGeom prst="rect">
+            <a:avLst/>
+          </a:prstGeom>
+          <a:noFill/>
+        </p:spPr>
+        <p:txBody>
+          <a:bodyPr wrap="square" rtlCol="0">
+            <a:spAutoFit/>
+          </a:bodyPr>
+          <a:lstStyle/>
+          <a:p>
+            <a:pPr marL="0" marR="0" lvl="0" indent="0" algn="l" defTabSz="914400" rtl="0" eaLnBrk="1" fontAlgn="auto" latinLnBrk="1" hangingPunct="1">
+              <a:lnSpc>
+                <a:spcPct val="100000"/>
+              </a:lnSpc>
+              <a:spcBef>
+                <a:spcPts val="0"/>
+              </a:spcBef>
+              <a:spcAft>
+                <a:spcPts val="0"/>
+              </a:spcAft>
+              <a:buClrTx/>
+              <a:buSzTx/>
+              <a:buFontTx/>
+              <a:buNone/>
+              <a:tabLst/>
+              <a:defRPr/>
+            </a:pPr>
+            <a:r>
+              <a:rPr kumimoji="0" lang="en-US" altLang="ko-KR" sz="4400" b="0" i="0" u="none" strike="noStrike" kern="1200" cap="none" spc="0" normalizeH="0" baseline="0" noProof="0" dirty="0">
+                <a:ln>
+                  <a:noFill/>
+                </a:ln>
+                <a:solidFill>
+                  <a:prstClr val="white"/>
+                </a:solidFill>
+                <a:effectLst/>
+                <a:uLnTx/>
+                <a:uFillTx/>
+                <a:latin typeface="a반달곰" panose="02020600000000000000" pitchFamily="18" charset="-127"/>
+                <a:ea typeface="a반달곰" panose="02020600000000000000" pitchFamily="18" charset="-127"/>
+                <a:cs typeface="+mn-cs"/>
+              </a:rPr>
+              <a:t>Web API </a:t>
+            </a:r>
+            <a:r>
+              <a:rPr kumimoji="0" lang="ko-KR" altLang="en-US" sz="4400" b="0" i="0" u="none" strike="noStrike" kern="1200" cap="none" spc="0" normalizeH="0" baseline="0" noProof="0" dirty="0">
+                <a:ln>
+                  <a:noFill/>
+                </a:ln>
+                <a:solidFill>
+                  <a:prstClr val="white"/>
+                </a:solidFill>
+                <a:effectLst/>
+                <a:uLnTx/>
+                <a:uFillTx/>
+                <a:latin typeface="a반달곰" panose="02020600000000000000" pitchFamily="18" charset="-127"/>
+                <a:ea typeface="a반달곰" panose="02020600000000000000" pitchFamily="18" charset="-127"/>
+                <a:cs typeface="+mn-cs"/>
+              </a:rPr>
+              <a:t>디버깅</a:t>
+            </a:r>
+            <a:r>
+              <a:rPr kumimoji="0" lang="en-US" altLang="ko-KR" sz="4400" b="0" i="0" u="none" strike="noStrike" kern="1200" cap="none" spc="0" normalizeH="0" baseline="0" noProof="0" dirty="0">
+                <a:ln>
+                  <a:noFill/>
+                </a:ln>
+                <a:solidFill>
+                  <a:prstClr val="white"/>
+                </a:solidFill>
+                <a:effectLst/>
+                <a:uLnTx/>
+                <a:uFillTx/>
+                <a:latin typeface="a반달곰" panose="02020600000000000000" pitchFamily="18" charset="-127"/>
+                <a:ea typeface="a반달곰" panose="02020600000000000000" pitchFamily="18" charset="-127"/>
+                <a:cs typeface="+mn-cs"/>
+              </a:rPr>
+              <a:t>(3)</a:t>
+            </a:r>
+            <a:endParaRPr kumimoji="0" lang="ko-KR" altLang="en-US" sz="4400" b="0" i="0" u="none" strike="noStrike" kern="1200" cap="none" spc="0" normalizeH="0" baseline="0" noProof="0" dirty="0">
+              <a:ln>
+                <a:noFill/>
+              </a:ln>
+              <a:solidFill>
+                <a:prstClr val="white"/>
+              </a:solidFill>
+              <a:effectLst/>
+              <a:uLnTx/>
+              <a:uFillTx/>
+              <a:latin typeface="a반달곰" panose="02020600000000000000" pitchFamily="18" charset="-127"/>
+              <a:ea typeface="a반달곰" panose="02020600000000000000" pitchFamily="18" charset="-127"/>
+              <a:cs typeface="+mn-cs"/>
+            </a:endParaRPr>
+          </a:p>
+        </p:txBody>
+      </p:sp>
+      <p:cxnSp>
+        <p:nvCxnSpPr>
+          <p:cNvPr id="3" name="직선 연결선 2">
+            <a:extLst>
+              <a:ext uri="{FF2B5EF4-FFF2-40B4-BE49-F238E27FC236}">
+                <a16:creationId xmlns:a16="http://schemas.microsoft.com/office/drawing/2014/main" id="{1CC00C8A-1CA0-4094-8AD1-C957061A3059}"/>
+              </a:ext>
+            </a:extLst>
+          </p:cNvPr>
+          <p:cNvCxnSpPr>
+            <a:cxnSpLocks/>
+          </p:cNvCxnSpPr>
+          <p:nvPr/>
+        </p:nvCxnSpPr>
+        <p:spPr>
+          <a:xfrm>
+            <a:off x="733425" y="1228725"/>
+            <a:ext cx="6162675" cy="0"/>
+          </a:xfrm>
+          <a:prstGeom prst="line">
+            <a:avLst/>
+          </a:prstGeom>
+          <a:ln w="38100">
+            <a:solidFill>
+              <a:schemeClr val="bg1"/>
+            </a:solidFill>
+          </a:ln>
+        </p:spPr>
+        <p:style>
+          <a:lnRef idx="1">
+            <a:schemeClr val="accent1"/>
+          </a:lnRef>
+          <a:fillRef idx="0">
+            <a:schemeClr val="accent1"/>
+          </a:fillRef>
+          <a:effectRef idx="0">
+            <a:schemeClr val="accent1"/>
+          </a:effectRef>
+          <a:fontRef idx="minor">
+            <a:schemeClr val="tx1"/>
+          </a:fontRef>
+        </p:style>
+      </p:cxnSp>
+      <p:cxnSp>
+        <p:nvCxnSpPr>
+          <p:cNvPr id="10" name="직선 연결선 9">
+            <a:extLst>
+              <a:ext uri="{FF2B5EF4-FFF2-40B4-BE49-F238E27FC236}">
+                <a16:creationId xmlns:a16="http://schemas.microsoft.com/office/drawing/2014/main" id="{DB5550CA-D125-413B-AC2C-972B09E44836}"/>
+              </a:ext>
+            </a:extLst>
+          </p:cNvPr>
+          <p:cNvCxnSpPr>
+            <a:cxnSpLocks/>
+          </p:cNvCxnSpPr>
+          <p:nvPr/>
+        </p:nvCxnSpPr>
+        <p:spPr>
+          <a:xfrm>
+            <a:off x="733425" y="1323975"/>
+            <a:ext cx="6162675" cy="0"/>
+          </a:xfrm>
+          <a:prstGeom prst="line">
+            <a:avLst/>
+          </a:prstGeom>
+          <a:ln w="38100">
+            <a:solidFill>
+              <a:schemeClr val="bg1"/>
+            </a:solidFill>
+          </a:ln>
+        </p:spPr>
+        <p:style>
+          <a:lnRef idx="1">
+            <a:schemeClr val="accent1"/>
+          </a:lnRef>
+          <a:fillRef idx="0">
+            <a:schemeClr val="accent1"/>
+          </a:fillRef>
+          <a:effectRef idx="0">
+            <a:schemeClr val="accent1"/>
+          </a:effectRef>
+          <a:fontRef idx="minor">
+            <a:schemeClr val="tx1"/>
+          </a:fontRef>
+        </p:style>
+      </p:cxnSp>
+      <p:sp>
+        <p:nvSpPr>
+          <p:cNvPr id="11" name="TextBox 10">
+            <a:extLst>
+              <a:ext uri="{FF2B5EF4-FFF2-40B4-BE49-F238E27FC236}">
+                <a16:creationId xmlns:a16="http://schemas.microsoft.com/office/drawing/2014/main" id="{B84250E4-408D-4732-A870-6051DDC3B8F9}"/>
+              </a:ext>
+            </a:extLst>
+          </p:cNvPr>
+          <p:cNvSpPr txBox="1"/>
+          <p:nvPr/>
+        </p:nvSpPr>
+        <p:spPr>
+          <a:xfrm>
+            <a:off x="5931695" y="361830"/>
+            <a:ext cx="5526880" cy="830997"/>
+          </a:xfrm>
+          <a:prstGeom prst="rect">
+            <a:avLst/>
+          </a:prstGeom>
+          <a:noFill/>
+        </p:spPr>
+        <p:txBody>
+          <a:bodyPr wrap="square" rtlCol="0">
+            <a:spAutoFit/>
+          </a:bodyPr>
+          <a:lstStyle/>
+          <a:p>
+            <a:pPr marL="0" marR="0" lvl="0" indent="0" algn="l" defTabSz="914400" rtl="0" eaLnBrk="1" fontAlgn="auto" latinLnBrk="1" hangingPunct="1">
+              <a:lnSpc>
+                <a:spcPct val="100000"/>
+              </a:lnSpc>
+              <a:spcBef>
+                <a:spcPts val="0"/>
+              </a:spcBef>
+              <a:spcAft>
+                <a:spcPts val="0"/>
+              </a:spcAft>
+              <a:buClrTx/>
+              <a:buSzTx/>
+              <a:buFontTx/>
+              <a:buNone/>
+              <a:tabLst/>
+              <a:defRPr/>
+            </a:pPr>
+            <a:r>
+              <a:rPr kumimoji="0" lang="en-US" altLang="ko-KR" sz="2400" b="0" i="0" u="none" strike="noStrike" kern="1200" cap="none" spc="0" normalizeH="0" baseline="0" noProof="0" dirty="0">
+                <a:ln>
+                  <a:noFill/>
+                </a:ln>
+                <a:solidFill>
+                  <a:prstClr val="white"/>
+                </a:solidFill>
+                <a:effectLst/>
+                <a:uLnTx/>
+                <a:uFillTx/>
+                <a:latin typeface="a반달곰" panose="02020600000000000000" pitchFamily="18" charset="-127"/>
+                <a:ea typeface="a반달곰" panose="02020600000000000000" pitchFamily="18" charset="-127"/>
+                <a:cs typeface="+mn-cs"/>
+              </a:rPr>
+              <a:t>Error</a:t>
+            </a:r>
+          </a:p>
+          <a:p>
+            <a:pPr marL="0" marR="0" lvl="0" indent="0" algn="l" defTabSz="914400" rtl="0" eaLnBrk="1" fontAlgn="auto" latinLnBrk="1" hangingPunct="1">
+              <a:lnSpc>
+                <a:spcPct val="100000"/>
+              </a:lnSpc>
+              <a:spcBef>
+                <a:spcPts val="0"/>
+              </a:spcBef>
+              <a:spcAft>
+                <a:spcPts val="0"/>
+              </a:spcAft>
+              <a:buClrTx/>
+              <a:buSzTx/>
+              <a:buFontTx/>
+              <a:buNone/>
+              <a:tabLst/>
+              <a:defRPr/>
+            </a:pPr>
+            <a:r>
+              <a:rPr kumimoji="0" lang="en-US" altLang="ko-KR" sz="2400" b="0" i="0" u="none" strike="noStrike" kern="1200" cap="none" spc="0" normalizeH="0" baseline="0" noProof="0" dirty="0">
+                <a:ln>
+                  <a:noFill/>
+                </a:ln>
+                <a:solidFill>
+                  <a:prstClr val="white"/>
+                </a:solidFill>
+                <a:effectLst/>
+                <a:uLnTx/>
+                <a:uFillTx/>
+                <a:latin typeface="a반달곰" panose="02020600000000000000" pitchFamily="18" charset="-127"/>
+                <a:ea typeface="a반달곰" panose="02020600000000000000" pitchFamily="18" charset="-127"/>
+                <a:cs typeface="+mn-cs"/>
+              </a:rPr>
+              <a:t>(</a:t>
+            </a:r>
+            <a:r>
+              <a:rPr lang="ko-KR" altLang="en-US" sz="2400" dirty="0">
+                <a:solidFill>
+                  <a:prstClr val="white"/>
+                </a:solidFill>
+                <a:latin typeface="a반달곰" panose="02020600000000000000" pitchFamily="18" charset="-127"/>
+                <a:ea typeface="a반달곰" panose="02020600000000000000" pitchFamily="18" charset="-127"/>
+              </a:rPr>
+              <a:t>음수 또는 </a:t>
+            </a:r>
+            <a:r>
+              <a:rPr lang="en-US" altLang="ko-KR" sz="2400" dirty="0">
+                <a:solidFill>
+                  <a:prstClr val="white"/>
+                </a:solidFill>
+                <a:latin typeface="a반달곰" panose="02020600000000000000" pitchFamily="18" charset="-127"/>
+                <a:ea typeface="a반달곰" panose="02020600000000000000" pitchFamily="18" charset="-127"/>
+              </a:rPr>
+              <a:t>0</a:t>
+            </a:r>
+            <a:r>
+              <a:rPr lang="ko-KR" altLang="en-US" sz="2400" dirty="0">
+                <a:solidFill>
+                  <a:prstClr val="white"/>
+                </a:solidFill>
+                <a:latin typeface="a반달곰" panose="02020600000000000000" pitchFamily="18" charset="-127"/>
+                <a:ea typeface="a반달곰" panose="02020600000000000000" pitchFamily="18" charset="-127"/>
+              </a:rPr>
+              <a:t>이 입력 되었을 때</a:t>
+            </a:r>
+            <a:r>
+              <a:rPr kumimoji="0" lang="en-US" altLang="ko-KR" sz="2400" b="0" i="0" u="none" strike="noStrike" kern="1200" cap="none" spc="0" normalizeH="0" baseline="0" noProof="0" dirty="0">
+                <a:ln>
+                  <a:noFill/>
+                </a:ln>
+                <a:solidFill>
+                  <a:prstClr val="white"/>
+                </a:solidFill>
+                <a:effectLst/>
+                <a:uLnTx/>
+                <a:uFillTx/>
+                <a:latin typeface="a반달곰" panose="02020600000000000000" pitchFamily="18" charset="-127"/>
+                <a:ea typeface="a반달곰" panose="02020600000000000000" pitchFamily="18" charset="-127"/>
+                <a:cs typeface="+mn-cs"/>
+              </a:rPr>
+              <a:t>)</a:t>
+            </a:r>
+          </a:p>
+        </p:txBody>
+      </p:sp>
+    </p:spTree>
+    <p:extLst>
+      <p:ext uri="{BB962C8B-B14F-4D97-AF65-F5344CB8AC3E}">
+        <p14:creationId xmlns:p14="http://schemas.microsoft.com/office/powerpoint/2010/main" val="2732176693"/>
       </p:ext>
     </p:extLst>
   </p:cSld>
@@ -6906,7 +8141,7 @@
                 <a:latin typeface="a반달곰" panose="02020600000000000000" pitchFamily="18" charset="-127"/>
                 <a:ea typeface="a반달곰" panose="02020600000000000000" pitchFamily="18" charset="-127"/>
               </a:rPr>
-              <a:t>Web API </a:t>
+              <a:t>Designer </a:t>
             </a:r>
             <a:r>
               <a:rPr lang="ko-KR" altLang="en-US" sz="2800" dirty="0">
@@ -6916,8 +8151,40 @@
                 <a:latin typeface="a반달곰" panose="02020600000000000000" pitchFamily="18" charset="-127"/>
                 <a:ea typeface="a반달곰" panose="02020600000000000000" pitchFamily="18" charset="-127"/>
               </a:rPr>
-              <a:t>디버깅</a:t>
-            </a:r>
+              <a:t>탭 추가 구성 </a:t>
+            </a:r>
+            <a:r>
+              <a:rPr lang="en-US" altLang="ko-KR" sz="2800" dirty="0">
+                <a:solidFill>
+                  <a:schemeClr val="bg1"/>
+                </a:solidFill>
+                <a:latin typeface="a반달곰" panose="02020600000000000000" pitchFamily="18" charset="-127"/>
+                <a:ea typeface="a반달곰" panose="02020600000000000000" pitchFamily="18" charset="-127"/>
+              </a:rPr>
+              <a:t>(UI </a:t>
+            </a:r>
+            <a:r>
+              <a:rPr lang="ko-KR" altLang="en-US" sz="2800" dirty="0">
+                <a:solidFill>
+                  <a:schemeClr val="bg1"/>
+                </a:solidFill>
+                <a:latin typeface="a반달곰" panose="02020600000000000000" pitchFamily="18" charset="-127"/>
+                <a:ea typeface="a반달곰" panose="02020600000000000000" pitchFamily="18" charset="-127"/>
+              </a:rPr>
+              <a:t>개선</a:t>
+            </a:r>
+            <a:r>
+              <a:rPr lang="en-US" altLang="ko-KR" sz="2800" dirty="0">
+                <a:solidFill>
+                  <a:schemeClr val="bg1"/>
+                </a:solidFill>
+                <a:latin typeface="a반달곰" panose="02020600000000000000" pitchFamily="18" charset="-127"/>
+                <a:ea typeface="a반달곰" panose="02020600000000000000" pitchFamily="18" charset="-127"/>
+              </a:rPr>
+              <a:t>)</a:t>
+            </a:r>
+          </a:p>
+          <a:p>
             <a:endParaRPr lang="en-US" altLang="ko-KR" sz="2800" dirty="0">
               <a:solidFill>
                 <a:schemeClr val="bg1"/>
@@ -6927,6 +8194,36 @@
             </a:endParaRPr>
           </a:p>
           <a:p>
+            <a:r>
+              <a:rPr lang="ko-KR" altLang="en-US" sz="2800" dirty="0">
+                <a:solidFill>
+                  <a:schemeClr val="bg1"/>
+                </a:solidFill>
+                <a:latin typeface="a반달곰" panose="02020600000000000000" pitchFamily="18" charset="-127"/>
+                <a:ea typeface="a반달곰" panose="02020600000000000000" pitchFamily="18" charset="-127"/>
+              </a:rPr>
+              <a:t>● </a:t>
+            </a:r>
+            <a:r>
+              <a:rPr lang="en-US" altLang="ko-KR" sz="2800" dirty="0">
+                <a:solidFill>
+                  <a:schemeClr val="bg1"/>
+                </a:solidFill>
+                <a:latin typeface="a반달곰" panose="02020600000000000000" pitchFamily="18" charset="-127"/>
+                <a:ea typeface="a반달곰" panose="02020600000000000000" pitchFamily="18" charset="-127"/>
+              </a:rPr>
+              <a:t>Web API </a:t>
+            </a:r>
+            <a:r>
+              <a:rPr lang="ko-KR" altLang="en-US" sz="2800" dirty="0">
+                <a:solidFill>
+                  <a:schemeClr val="bg1"/>
+                </a:solidFill>
+                <a:latin typeface="a반달곰" panose="02020600000000000000" pitchFamily="18" charset="-127"/>
+                <a:ea typeface="a반달곰" panose="02020600000000000000" pitchFamily="18" charset="-127"/>
+              </a:rPr>
+              <a:t>오류 디버깅 내용과 결과</a:t>
+            </a:r>
             <a:endParaRPr lang="en-US" altLang="ko-KR" sz="2800" dirty="0">
               <a:solidFill>
                 <a:schemeClr val="bg1"/>
@@ -6936,68 +8233,6 @@
             </a:endParaRPr>
           </a:p>
           <a:p>
-            <a:r>
-              <a:rPr lang="ko-KR" altLang="en-US" sz="2800" dirty="0">
-                <a:solidFill>
-                  <a:schemeClr val="bg1"/>
-                </a:solidFill>
-                <a:latin typeface="a반달곰" panose="02020600000000000000" pitchFamily="18" charset="-127"/>
-                <a:ea typeface="a반달곰" panose="02020600000000000000" pitchFamily="18" charset="-127"/>
-              </a:rPr>
-              <a:t>● </a:t>
-            </a:r>
-            <a:r>
-              <a:rPr lang="en-US" altLang="ko-KR" sz="2800" dirty="0">
-                <a:solidFill>
-                  <a:schemeClr val="bg1"/>
-                </a:solidFill>
-                <a:latin typeface="a반달곰" panose="02020600000000000000" pitchFamily="18" charset="-127"/>
-                <a:ea typeface="a반달곰" panose="02020600000000000000" pitchFamily="18" charset="-127"/>
-              </a:rPr>
-              <a:t>Designer </a:t>
-            </a:r>
-            <a:r>
-              <a:rPr lang="ko-KR" altLang="en-US" sz="2800" dirty="0">
-                <a:solidFill>
-                  <a:schemeClr val="bg1"/>
-                </a:solidFill>
-                <a:latin typeface="a반달곰" panose="02020600000000000000" pitchFamily="18" charset="-127"/>
-                <a:ea typeface="a반달곰" panose="02020600000000000000" pitchFamily="18" charset="-127"/>
-              </a:rPr>
-              <a:t>탭 추가 구성 </a:t>
-            </a:r>
-            <a:r>
-              <a:rPr lang="en-US" altLang="ko-KR" sz="2800" dirty="0">
-                <a:solidFill>
-                  <a:schemeClr val="bg1"/>
-                </a:solidFill>
-                <a:latin typeface="a반달곰" panose="02020600000000000000" pitchFamily="18" charset="-127"/>
-                <a:ea typeface="a반달곰" panose="02020600000000000000" pitchFamily="18" charset="-127"/>
-              </a:rPr>
-              <a:t>(UI </a:t>
-            </a:r>
-            <a:r>
-              <a:rPr lang="ko-KR" altLang="en-US" sz="2800" dirty="0">
-                <a:solidFill>
-                  <a:schemeClr val="bg1"/>
-                </a:solidFill>
-                <a:latin typeface="a반달곰" panose="02020600000000000000" pitchFamily="18" charset="-127"/>
-                <a:ea typeface="a반달곰" panose="02020600000000000000" pitchFamily="18" charset="-127"/>
-              </a:rPr>
-              <a:t>개선</a:t>
-            </a:r>
-            <a:r>
-              <a:rPr lang="en-US" altLang="ko-KR" sz="2800" dirty="0">
-                <a:solidFill>
-                  <a:schemeClr val="bg1"/>
-                </a:solidFill>
-                <a:latin typeface="a반달곰" panose="02020600000000000000" pitchFamily="18" charset="-127"/>
-                <a:ea typeface="a반달곰" panose="02020600000000000000" pitchFamily="18" charset="-127"/>
-              </a:rPr>
-              <a:t>)</a:t>
-            </a:r>
-          </a:p>
-          <a:p>
             <a:endParaRPr lang="en-US" altLang="ko-KR" sz="2800" dirty="0">
               <a:solidFill>
                 <a:schemeClr val="bg1"/>
@@ -7051,6 +8286,1756 @@
     <p:extLst>
       <p:ext uri="{BB962C8B-B14F-4D97-AF65-F5344CB8AC3E}">
         <p14:creationId xmlns:p14="http://schemas.microsoft.com/office/powerpoint/2010/main" val="1223402619"/>
+      </p:ext>
+    </p:extLst>
+  </p:cSld>
+  <p:clrMapOvr>
+    <a:masterClrMapping/>
+  </p:clrMapOvr>
+</p:sld>
+</file>
+
+<file path=ppt/slides/slide20.xml><?xml version="1.0" encoding="utf-8"?>
+<p:sld xmlns:a="http://schemas.openxmlformats.org/drawingml/2006/main" xmlns:r="http://schemas.openxmlformats.org/officeDocument/2006/relationships" xmlns:p="http://schemas.openxmlformats.org/presentationml/2006/main">
+  <p:cSld>
+    <p:bg>
+      <p:bgPr>
+        <a:solidFill>
+          <a:srgbClr val="F8BAC3"/>
+        </a:solidFill>
+        <a:effectLst/>
+      </p:bgPr>
+    </p:bg>
+    <p:spTree>
+      <p:nvGrpSpPr>
+        <p:cNvPr id="1" name=""/>
+        <p:cNvGrpSpPr/>
+        <p:nvPr/>
+      </p:nvGrpSpPr>
+      <p:grpSpPr>
+        <a:xfrm>
+          <a:off x="0" y="0"/>
+          <a:ext cx="0" cy="0"/>
+          <a:chOff x="0" y="0"/>
+          <a:chExt cx="0" cy="0"/>
+        </a:xfrm>
+      </p:grpSpPr>
+      <p:sp>
+        <p:nvSpPr>
+          <p:cNvPr id="5" name="직사각형 4">
+            <a:extLst>
+              <a:ext uri="{FF2B5EF4-FFF2-40B4-BE49-F238E27FC236}">
+                <a16:creationId xmlns:a16="http://schemas.microsoft.com/office/drawing/2014/main" id="{FA2D001F-814F-4816-8B86-A14F32A763B5}"/>
+              </a:ext>
+            </a:extLst>
+          </p:cNvPr>
+          <p:cNvSpPr/>
+          <p:nvPr/>
+        </p:nvSpPr>
+        <p:spPr>
+          <a:xfrm>
+            <a:off x="400050" y="285750"/>
+            <a:ext cx="11534775" cy="6305550"/>
+          </a:xfrm>
+          <a:prstGeom prst="rect">
+            <a:avLst/>
+          </a:prstGeom>
+          <a:noFill/>
+          <a:ln w="57150">
+            <a:solidFill>
+              <a:schemeClr val="bg1"/>
+            </a:solidFill>
+          </a:ln>
+        </p:spPr>
+        <p:style>
+          <a:lnRef idx="2">
+            <a:schemeClr val="accent1">
+              <a:shade val="50000"/>
+            </a:schemeClr>
+          </a:lnRef>
+          <a:fillRef idx="1">
+            <a:schemeClr val="accent1"/>
+          </a:fillRef>
+          <a:effectRef idx="0">
+            <a:schemeClr val="accent1"/>
+          </a:effectRef>
+          <a:fontRef idx="minor">
+            <a:schemeClr val="lt1"/>
+          </a:fontRef>
+        </p:style>
+        <p:txBody>
+          <a:bodyPr rtlCol="0" anchor="ctr"/>
+          <a:lstStyle/>
+          <a:p>
+            <a:pPr marL="0" marR="0" lvl="0" indent="0" algn="ctr" defTabSz="914400" rtl="0" eaLnBrk="1" fontAlgn="auto" latinLnBrk="1" hangingPunct="1">
+              <a:lnSpc>
+                <a:spcPct val="100000"/>
+              </a:lnSpc>
+              <a:spcBef>
+                <a:spcPts val="0"/>
+              </a:spcBef>
+              <a:spcAft>
+                <a:spcPts val="0"/>
+              </a:spcAft>
+              <a:buClrTx/>
+              <a:buSzTx/>
+              <a:buFontTx/>
+              <a:buNone/>
+              <a:tabLst/>
+              <a:defRPr/>
+            </a:pPr>
+            <a:endParaRPr kumimoji="0" lang="ko-KR" altLang="en-US" sz="1800" b="0" i="0" u="none" strike="noStrike" kern="1200" cap="none" spc="0" normalizeH="0" baseline="0" noProof="0">
+              <a:ln>
+                <a:noFill/>
+              </a:ln>
+              <a:solidFill>
+                <a:prstClr val="white"/>
+              </a:solidFill>
+              <a:effectLst/>
+              <a:uLnTx/>
+              <a:uFillTx/>
+              <a:latin typeface="맑은 고딕" panose="020F0502020204030204"/>
+              <a:ea typeface="맑은 고딕" panose="020B0503020000020004" pitchFamily="50" charset="-127"/>
+              <a:cs typeface="+mn-cs"/>
+            </a:endParaRPr>
+          </a:p>
+        </p:txBody>
+      </p:sp>
+      <p:sp>
+        <p:nvSpPr>
+          <p:cNvPr id="9" name="TextBox 8">
+            <a:extLst>
+              <a:ext uri="{FF2B5EF4-FFF2-40B4-BE49-F238E27FC236}">
+                <a16:creationId xmlns:a16="http://schemas.microsoft.com/office/drawing/2014/main" id="{EE575279-192C-436E-8160-7C191F550995}"/>
+              </a:ext>
+            </a:extLst>
+          </p:cNvPr>
+          <p:cNvSpPr txBox="1"/>
+          <p:nvPr/>
+        </p:nvSpPr>
+        <p:spPr>
+          <a:xfrm>
+            <a:off x="842962" y="392609"/>
+            <a:ext cx="6162675" cy="769441"/>
+          </a:xfrm>
+          <a:prstGeom prst="rect">
+            <a:avLst/>
+          </a:prstGeom>
+          <a:noFill/>
+        </p:spPr>
+        <p:txBody>
+          <a:bodyPr wrap="square" rtlCol="0">
+            <a:spAutoFit/>
+          </a:bodyPr>
+          <a:lstStyle/>
+          <a:p>
+            <a:pPr marL="0" marR="0" lvl="0" indent="0" algn="l" defTabSz="914400" rtl="0" eaLnBrk="1" fontAlgn="auto" latinLnBrk="1" hangingPunct="1">
+              <a:lnSpc>
+                <a:spcPct val="100000"/>
+              </a:lnSpc>
+              <a:spcBef>
+                <a:spcPts val="0"/>
+              </a:spcBef>
+              <a:spcAft>
+                <a:spcPts val="0"/>
+              </a:spcAft>
+              <a:buClrTx/>
+              <a:buSzTx/>
+              <a:buFontTx/>
+              <a:buNone/>
+              <a:tabLst/>
+              <a:defRPr/>
+            </a:pPr>
+            <a:r>
+              <a:rPr kumimoji="0" lang="en-US" altLang="ko-KR" sz="4400" b="0" i="0" u="none" strike="noStrike" kern="1200" cap="none" spc="0" normalizeH="0" baseline="0" noProof="0" dirty="0">
+                <a:ln>
+                  <a:noFill/>
+                </a:ln>
+                <a:solidFill>
+                  <a:prstClr val="white"/>
+                </a:solidFill>
+                <a:effectLst/>
+                <a:uLnTx/>
+                <a:uFillTx/>
+                <a:latin typeface="a반달곰" panose="02020600000000000000" pitchFamily="18" charset="-127"/>
+                <a:ea typeface="a반달곰" panose="02020600000000000000" pitchFamily="18" charset="-127"/>
+                <a:cs typeface="+mn-cs"/>
+              </a:rPr>
+              <a:t>Web API </a:t>
+            </a:r>
+            <a:r>
+              <a:rPr kumimoji="0" lang="ko-KR" altLang="en-US" sz="4400" b="0" i="0" u="none" strike="noStrike" kern="1200" cap="none" spc="0" normalizeH="0" baseline="0" noProof="0" dirty="0">
+                <a:ln>
+                  <a:noFill/>
+                </a:ln>
+                <a:solidFill>
+                  <a:prstClr val="white"/>
+                </a:solidFill>
+                <a:effectLst/>
+                <a:uLnTx/>
+                <a:uFillTx/>
+                <a:latin typeface="a반달곰" panose="02020600000000000000" pitchFamily="18" charset="-127"/>
+                <a:ea typeface="a반달곰" panose="02020600000000000000" pitchFamily="18" charset="-127"/>
+                <a:cs typeface="+mn-cs"/>
+              </a:rPr>
+              <a:t>디버깅</a:t>
+            </a:r>
+            <a:r>
+              <a:rPr kumimoji="0" lang="en-US" altLang="ko-KR" sz="4400" b="0" i="0" u="none" strike="noStrike" kern="1200" cap="none" spc="0" normalizeH="0" baseline="0" noProof="0" dirty="0">
+                <a:ln>
+                  <a:noFill/>
+                </a:ln>
+                <a:solidFill>
+                  <a:prstClr val="white"/>
+                </a:solidFill>
+                <a:effectLst/>
+                <a:uLnTx/>
+                <a:uFillTx/>
+                <a:latin typeface="a반달곰" panose="02020600000000000000" pitchFamily="18" charset="-127"/>
+                <a:ea typeface="a반달곰" panose="02020600000000000000" pitchFamily="18" charset="-127"/>
+                <a:cs typeface="+mn-cs"/>
+              </a:rPr>
+              <a:t>(4)</a:t>
+            </a:r>
+            <a:endParaRPr kumimoji="0" lang="ko-KR" altLang="en-US" sz="4400" b="0" i="0" u="none" strike="noStrike" kern="1200" cap="none" spc="0" normalizeH="0" baseline="0" noProof="0" dirty="0">
+              <a:ln>
+                <a:noFill/>
+              </a:ln>
+              <a:solidFill>
+                <a:prstClr val="white"/>
+              </a:solidFill>
+              <a:effectLst/>
+              <a:uLnTx/>
+              <a:uFillTx/>
+              <a:latin typeface="a반달곰" panose="02020600000000000000" pitchFamily="18" charset="-127"/>
+              <a:ea typeface="a반달곰" panose="02020600000000000000" pitchFamily="18" charset="-127"/>
+              <a:cs typeface="+mn-cs"/>
+            </a:endParaRPr>
+          </a:p>
+        </p:txBody>
+      </p:sp>
+      <p:cxnSp>
+        <p:nvCxnSpPr>
+          <p:cNvPr id="3" name="직선 연결선 2">
+            <a:extLst>
+              <a:ext uri="{FF2B5EF4-FFF2-40B4-BE49-F238E27FC236}">
+                <a16:creationId xmlns:a16="http://schemas.microsoft.com/office/drawing/2014/main" id="{1CC00C8A-1CA0-4094-8AD1-C957061A3059}"/>
+              </a:ext>
+            </a:extLst>
+          </p:cNvPr>
+          <p:cNvCxnSpPr>
+            <a:cxnSpLocks/>
+          </p:cNvCxnSpPr>
+          <p:nvPr/>
+        </p:nvCxnSpPr>
+        <p:spPr>
+          <a:xfrm>
+            <a:off x="733425" y="1228725"/>
+            <a:ext cx="6162675" cy="0"/>
+          </a:xfrm>
+          <a:prstGeom prst="line">
+            <a:avLst/>
+          </a:prstGeom>
+          <a:ln w="38100">
+            <a:solidFill>
+              <a:schemeClr val="bg1"/>
+            </a:solidFill>
+          </a:ln>
+        </p:spPr>
+        <p:style>
+          <a:lnRef idx="1">
+            <a:schemeClr val="accent1"/>
+          </a:lnRef>
+          <a:fillRef idx="0">
+            <a:schemeClr val="accent1"/>
+          </a:fillRef>
+          <a:effectRef idx="0">
+            <a:schemeClr val="accent1"/>
+          </a:effectRef>
+          <a:fontRef idx="minor">
+            <a:schemeClr val="tx1"/>
+          </a:fontRef>
+        </p:style>
+      </p:cxnSp>
+      <p:cxnSp>
+        <p:nvCxnSpPr>
+          <p:cNvPr id="10" name="직선 연결선 9">
+            <a:extLst>
+              <a:ext uri="{FF2B5EF4-FFF2-40B4-BE49-F238E27FC236}">
+                <a16:creationId xmlns:a16="http://schemas.microsoft.com/office/drawing/2014/main" id="{DB5550CA-D125-413B-AC2C-972B09E44836}"/>
+              </a:ext>
+            </a:extLst>
+          </p:cNvPr>
+          <p:cNvCxnSpPr>
+            <a:cxnSpLocks/>
+          </p:cNvCxnSpPr>
+          <p:nvPr/>
+        </p:nvCxnSpPr>
+        <p:spPr>
+          <a:xfrm>
+            <a:off x="733425" y="1323975"/>
+            <a:ext cx="6162675" cy="0"/>
+          </a:xfrm>
+          <a:prstGeom prst="line">
+            <a:avLst/>
+          </a:prstGeom>
+          <a:ln w="38100">
+            <a:solidFill>
+              <a:schemeClr val="bg1"/>
+            </a:solidFill>
+          </a:ln>
+        </p:spPr>
+        <p:style>
+          <a:lnRef idx="1">
+            <a:schemeClr val="accent1"/>
+          </a:lnRef>
+          <a:fillRef idx="0">
+            <a:schemeClr val="accent1"/>
+          </a:fillRef>
+          <a:effectRef idx="0">
+            <a:schemeClr val="accent1"/>
+          </a:effectRef>
+          <a:fontRef idx="minor">
+            <a:schemeClr val="tx1"/>
+          </a:fontRef>
+        </p:style>
+      </p:cxnSp>
+      <p:sp>
+        <p:nvSpPr>
+          <p:cNvPr id="11" name="TextBox 10">
+            <a:extLst>
+              <a:ext uri="{FF2B5EF4-FFF2-40B4-BE49-F238E27FC236}">
+                <a16:creationId xmlns:a16="http://schemas.microsoft.com/office/drawing/2014/main" id="{B84250E4-408D-4732-A870-6051DDC3B8F9}"/>
+              </a:ext>
+            </a:extLst>
+          </p:cNvPr>
+          <p:cNvSpPr txBox="1"/>
+          <p:nvPr/>
+        </p:nvSpPr>
+        <p:spPr>
+          <a:xfrm>
+            <a:off x="5931695" y="361830"/>
+            <a:ext cx="5526880" cy="830997"/>
+          </a:xfrm>
+          <a:prstGeom prst="rect">
+            <a:avLst/>
+          </a:prstGeom>
+          <a:noFill/>
+        </p:spPr>
+        <p:txBody>
+          <a:bodyPr wrap="square" rtlCol="0">
+            <a:spAutoFit/>
+          </a:bodyPr>
+          <a:lstStyle/>
+          <a:p>
+            <a:pPr marL="0" marR="0" lvl="0" indent="0" algn="l" defTabSz="914400" rtl="0" eaLnBrk="1" fontAlgn="auto" latinLnBrk="1" hangingPunct="1">
+              <a:lnSpc>
+                <a:spcPct val="100000"/>
+              </a:lnSpc>
+              <a:spcBef>
+                <a:spcPts val="0"/>
+              </a:spcBef>
+              <a:spcAft>
+                <a:spcPts val="0"/>
+              </a:spcAft>
+              <a:buClrTx/>
+              <a:buSzTx/>
+              <a:buFontTx/>
+              <a:buNone/>
+              <a:tabLst/>
+              <a:defRPr/>
+            </a:pPr>
+            <a:r>
+              <a:rPr kumimoji="0" lang="en-US" altLang="ko-KR" sz="2400" b="0" i="0" u="none" strike="noStrike" kern="1200" cap="none" spc="0" normalizeH="0" baseline="0" noProof="0" dirty="0">
+                <a:ln>
+                  <a:noFill/>
+                </a:ln>
+                <a:solidFill>
+                  <a:prstClr val="white"/>
+                </a:solidFill>
+                <a:effectLst/>
+                <a:uLnTx/>
+                <a:uFillTx/>
+                <a:latin typeface="a반달곰" panose="02020600000000000000" pitchFamily="18" charset="-127"/>
+                <a:ea typeface="a반달곰" panose="02020600000000000000" pitchFamily="18" charset="-127"/>
+                <a:cs typeface="+mn-cs"/>
+              </a:rPr>
+              <a:t>Error</a:t>
+            </a:r>
+          </a:p>
+          <a:p>
+            <a:pPr marL="0" marR="0" lvl="0" indent="0" algn="l" defTabSz="914400" rtl="0" eaLnBrk="1" fontAlgn="auto" latinLnBrk="1" hangingPunct="1">
+              <a:lnSpc>
+                <a:spcPct val="100000"/>
+              </a:lnSpc>
+              <a:spcBef>
+                <a:spcPts val="0"/>
+              </a:spcBef>
+              <a:spcAft>
+                <a:spcPts val="0"/>
+              </a:spcAft>
+              <a:buClrTx/>
+              <a:buSzTx/>
+              <a:buFontTx/>
+              <a:buNone/>
+              <a:tabLst/>
+              <a:defRPr/>
+            </a:pPr>
+            <a:r>
+              <a:rPr kumimoji="0" lang="en-US" altLang="ko-KR" sz="2400" b="0" i="0" u="none" strike="noStrike" kern="1200" cap="none" spc="0" normalizeH="0" baseline="0" noProof="0" dirty="0">
+                <a:ln>
+                  <a:noFill/>
+                </a:ln>
+                <a:solidFill>
+                  <a:prstClr val="white"/>
+                </a:solidFill>
+                <a:effectLst/>
+                <a:uLnTx/>
+                <a:uFillTx/>
+                <a:latin typeface="a반달곰" panose="02020600000000000000" pitchFamily="18" charset="-127"/>
+                <a:ea typeface="a반달곰" panose="02020600000000000000" pitchFamily="18" charset="-127"/>
+                <a:cs typeface="+mn-cs"/>
+              </a:rPr>
+              <a:t>(</a:t>
+            </a:r>
+            <a:r>
+              <a:rPr kumimoji="0" lang="ko-KR" altLang="en-US" sz="2400" b="0" i="0" u="none" strike="noStrike" kern="1200" cap="none" spc="0" normalizeH="0" baseline="0" noProof="0" dirty="0">
+                <a:ln>
+                  <a:noFill/>
+                </a:ln>
+                <a:solidFill>
+                  <a:prstClr val="white"/>
+                </a:solidFill>
+                <a:effectLst/>
+                <a:uLnTx/>
+                <a:uFillTx/>
+                <a:latin typeface="a반달곰" panose="02020600000000000000" pitchFamily="18" charset="-127"/>
+                <a:ea typeface="a반달곰" panose="02020600000000000000" pitchFamily="18" charset="-127"/>
+                <a:cs typeface="+mn-cs"/>
+              </a:rPr>
+              <a:t>숫자가 아닌 문자가 입력되었을 때</a:t>
+            </a:r>
+            <a:r>
+              <a:rPr kumimoji="0" lang="en-US" altLang="ko-KR" sz="2400" b="0" i="0" u="none" strike="noStrike" kern="1200" cap="none" spc="0" normalizeH="0" baseline="0" noProof="0" dirty="0">
+                <a:ln>
+                  <a:noFill/>
+                </a:ln>
+                <a:solidFill>
+                  <a:prstClr val="white"/>
+                </a:solidFill>
+                <a:effectLst/>
+                <a:uLnTx/>
+                <a:uFillTx/>
+                <a:latin typeface="a반달곰" panose="02020600000000000000" pitchFamily="18" charset="-127"/>
+                <a:ea typeface="a반달곰" panose="02020600000000000000" pitchFamily="18" charset="-127"/>
+                <a:cs typeface="+mn-cs"/>
+              </a:rPr>
+              <a:t>)</a:t>
+            </a:r>
+          </a:p>
+        </p:txBody>
+      </p:sp>
+    </p:spTree>
+    <p:extLst>
+      <p:ext uri="{BB962C8B-B14F-4D97-AF65-F5344CB8AC3E}">
+        <p14:creationId xmlns:p14="http://schemas.microsoft.com/office/powerpoint/2010/main" val="12322853"/>
+      </p:ext>
+    </p:extLst>
+  </p:cSld>
+  <p:clrMapOvr>
+    <a:masterClrMapping/>
+  </p:clrMapOvr>
+</p:sld>
+</file>
+
+<file path=ppt/slides/slide21.xml><?xml version="1.0" encoding="utf-8"?>
+<p:sld xmlns:a="http://schemas.openxmlformats.org/drawingml/2006/main" xmlns:r="http://schemas.openxmlformats.org/officeDocument/2006/relationships" xmlns:p="http://schemas.openxmlformats.org/presentationml/2006/main">
+  <p:cSld>
+    <p:bg>
+      <p:bgPr>
+        <a:solidFill>
+          <a:srgbClr val="F8BAC3"/>
+        </a:solidFill>
+        <a:effectLst/>
+      </p:bgPr>
+    </p:bg>
+    <p:spTree>
+      <p:nvGrpSpPr>
+        <p:cNvPr id="1" name=""/>
+        <p:cNvGrpSpPr/>
+        <p:nvPr/>
+      </p:nvGrpSpPr>
+      <p:grpSpPr>
+        <a:xfrm>
+          <a:off x="0" y="0"/>
+          <a:ext cx="0" cy="0"/>
+          <a:chOff x="0" y="0"/>
+          <a:chExt cx="0" cy="0"/>
+        </a:xfrm>
+      </p:grpSpPr>
+      <p:sp>
+        <p:nvSpPr>
+          <p:cNvPr id="5" name="직사각형 4">
+            <a:extLst>
+              <a:ext uri="{FF2B5EF4-FFF2-40B4-BE49-F238E27FC236}">
+                <a16:creationId xmlns:a16="http://schemas.microsoft.com/office/drawing/2014/main" id="{FA2D001F-814F-4816-8B86-A14F32A763B5}"/>
+              </a:ext>
+            </a:extLst>
+          </p:cNvPr>
+          <p:cNvSpPr/>
+          <p:nvPr/>
+        </p:nvSpPr>
+        <p:spPr>
+          <a:xfrm>
+            <a:off x="400050" y="285750"/>
+            <a:ext cx="11534775" cy="6305550"/>
+          </a:xfrm>
+          <a:prstGeom prst="rect">
+            <a:avLst/>
+          </a:prstGeom>
+          <a:noFill/>
+          <a:ln w="57150">
+            <a:solidFill>
+              <a:schemeClr val="bg1"/>
+            </a:solidFill>
+          </a:ln>
+        </p:spPr>
+        <p:style>
+          <a:lnRef idx="2">
+            <a:schemeClr val="accent1">
+              <a:shade val="50000"/>
+            </a:schemeClr>
+          </a:lnRef>
+          <a:fillRef idx="1">
+            <a:schemeClr val="accent1"/>
+          </a:fillRef>
+          <a:effectRef idx="0">
+            <a:schemeClr val="accent1"/>
+          </a:effectRef>
+          <a:fontRef idx="minor">
+            <a:schemeClr val="lt1"/>
+          </a:fontRef>
+        </p:style>
+        <p:txBody>
+          <a:bodyPr rtlCol="0" anchor="ctr"/>
+          <a:lstStyle/>
+          <a:p>
+            <a:pPr marL="0" marR="0" lvl="0" indent="0" algn="ctr" defTabSz="914400" rtl="0" eaLnBrk="1" fontAlgn="auto" latinLnBrk="1" hangingPunct="1">
+              <a:lnSpc>
+                <a:spcPct val="100000"/>
+              </a:lnSpc>
+              <a:spcBef>
+                <a:spcPts val="0"/>
+              </a:spcBef>
+              <a:spcAft>
+                <a:spcPts val="0"/>
+              </a:spcAft>
+              <a:buClrTx/>
+              <a:buSzTx/>
+              <a:buFontTx/>
+              <a:buNone/>
+              <a:tabLst/>
+              <a:defRPr/>
+            </a:pPr>
+            <a:endParaRPr kumimoji="0" lang="ko-KR" altLang="en-US" sz="1800" b="0" i="0" u="none" strike="noStrike" kern="1200" cap="none" spc="0" normalizeH="0" baseline="0" noProof="0">
+              <a:ln>
+                <a:noFill/>
+              </a:ln>
+              <a:solidFill>
+                <a:prstClr val="white"/>
+              </a:solidFill>
+              <a:effectLst/>
+              <a:uLnTx/>
+              <a:uFillTx/>
+              <a:latin typeface="맑은 고딕" panose="020F0502020204030204"/>
+              <a:ea typeface="맑은 고딕" panose="020B0503020000020004" pitchFamily="50" charset="-127"/>
+              <a:cs typeface="+mn-cs"/>
+            </a:endParaRPr>
+          </a:p>
+        </p:txBody>
+      </p:sp>
+      <p:sp>
+        <p:nvSpPr>
+          <p:cNvPr id="9" name="TextBox 8">
+            <a:extLst>
+              <a:ext uri="{FF2B5EF4-FFF2-40B4-BE49-F238E27FC236}">
+                <a16:creationId xmlns:a16="http://schemas.microsoft.com/office/drawing/2014/main" id="{EE575279-192C-436E-8160-7C191F550995}"/>
+              </a:ext>
+            </a:extLst>
+          </p:cNvPr>
+          <p:cNvSpPr txBox="1"/>
+          <p:nvPr/>
+        </p:nvSpPr>
+        <p:spPr>
+          <a:xfrm>
+            <a:off x="842962" y="392609"/>
+            <a:ext cx="6162675" cy="769441"/>
+          </a:xfrm>
+          <a:prstGeom prst="rect">
+            <a:avLst/>
+          </a:prstGeom>
+          <a:noFill/>
+        </p:spPr>
+        <p:txBody>
+          <a:bodyPr wrap="square" rtlCol="0">
+            <a:spAutoFit/>
+          </a:bodyPr>
+          <a:lstStyle/>
+          <a:p>
+            <a:pPr marL="0" marR="0" lvl="0" indent="0" algn="l" defTabSz="914400" rtl="0" eaLnBrk="1" fontAlgn="auto" latinLnBrk="1" hangingPunct="1">
+              <a:lnSpc>
+                <a:spcPct val="100000"/>
+              </a:lnSpc>
+              <a:spcBef>
+                <a:spcPts val="0"/>
+              </a:spcBef>
+              <a:spcAft>
+                <a:spcPts val="0"/>
+              </a:spcAft>
+              <a:buClrTx/>
+              <a:buSzTx/>
+              <a:buFontTx/>
+              <a:buNone/>
+              <a:tabLst/>
+              <a:defRPr/>
+            </a:pPr>
+            <a:r>
+              <a:rPr kumimoji="0" lang="en-US" altLang="ko-KR" sz="4400" b="0" i="0" u="none" strike="noStrike" kern="1200" cap="none" spc="0" normalizeH="0" baseline="0" noProof="0" dirty="0">
+                <a:ln>
+                  <a:noFill/>
+                </a:ln>
+                <a:solidFill>
+                  <a:prstClr val="white"/>
+                </a:solidFill>
+                <a:effectLst/>
+                <a:uLnTx/>
+                <a:uFillTx/>
+                <a:latin typeface="a반달곰" panose="02020600000000000000" pitchFamily="18" charset="-127"/>
+                <a:ea typeface="a반달곰" panose="02020600000000000000" pitchFamily="18" charset="-127"/>
+                <a:cs typeface="+mn-cs"/>
+              </a:rPr>
+              <a:t>Web API </a:t>
+            </a:r>
+            <a:r>
+              <a:rPr kumimoji="0" lang="ko-KR" altLang="en-US" sz="4400" b="0" i="0" u="none" strike="noStrike" kern="1200" cap="none" spc="0" normalizeH="0" baseline="0" noProof="0" dirty="0">
+                <a:ln>
+                  <a:noFill/>
+                </a:ln>
+                <a:solidFill>
+                  <a:prstClr val="white"/>
+                </a:solidFill>
+                <a:effectLst/>
+                <a:uLnTx/>
+                <a:uFillTx/>
+                <a:latin typeface="a반달곰" panose="02020600000000000000" pitchFamily="18" charset="-127"/>
+                <a:ea typeface="a반달곰" panose="02020600000000000000" pitchFamily="18" charset="-127"/>
+                <a:cs typeface="+mn-cs"/>
+              </a:rPr>
+              <a:t>디버깅</a:t>
+            </a:r>
+            <a:r>
+              <a:rPr kumimoji="0" lang="en-US" altLang="ko-KR" sz="4400" b="0" i="0" u="none" strike="noStrike" kern="1200" cap="none" spc="0" normalizeH="0" baseline="0" noProof="0" dirty="0">
+                <a:ln>
+                  <a:noFill/>
+                </a:ln>
+                <a:solidFill>
+                  <a:prstClr val="white"/>
+                </a:solidFill>
+                <a:effectLst/>
+                <a:uLnTx/>
+                <a:uFillTx/>
+                <a:latin typeface="a반달곰" panose="02020600000000000000" pitchFamily="18" charset="-127"/>
+                <a:ea typeface="a반달곰" panose="02020600000000000000" pitchFamily="18" charset="-127"/>
+                <a:cs typeface="+mn-cs"/>
+              </a:rPr>
+              <a:t>(6)</a:t>
+            </a:r>
+            <a:endParaRPr kumimoji="0" lang="ko-KR" altLang="en-US" sz="4400" b="0" i="0" u="none" strike="noStrike" kern="1200" cap="none" spc="0" normalizeH="0" baseline="0" noProof="0" dirty="0">
+              <a:ln>
+                <a:noFill/>
+              </a:ln>
+              <a:solidFill>
+                <a:prstClr val="white"/>
+              </a:solidFill>
+              <a:effectLst/>
+              <a:uLnTx/>
+              <a:uFillTx/>
+              <a:latin typeface="a반달곰" panose="02020600000000000000" pitchFamily="18" charset="-127"/>
+              <a:ea typeface="a반달곰" panose="02020600000000000000" pitchFamily="18" charset="-127"/>
+              <a:cs typeface="+mn-cs"/>
+            </a:endParaRPr>
+          </a:p>
+        </p:txBody>
+      </p:sp>
+      <p:cxnSp>
+        <p:nvCxnSpPr>
+          <p:cNvPr id="3" name="직선 연결선 2">
+            <a:extLst>
+              <a:ext uri="{FF2B5EF4-FFF2-40B4-BE49-F238E27FC236}">
+                <a16:creationId xmlns:a16="http://schemas.microsoft.com/office/drawing/2014/main" id="{1CC00C8A-1CA0-4094-8AD1-C957061A3059}"/>
+              </a:ext>
+            </a:extLst>
+          </p:cNvPr>
+          <p:cNvCxnSpPr>
+            <a:cxnSpLocks/>
+          </p:cNvCxnSpPr>
+          <p:nvPr/>
+        </p:nvCxnSpPr>
+        <p:spPr>
+          <a:xfrm>
+            <a:off x="733425" y="1228725"/>
+            <a:ext cx="6162675" cy="0"/>
+          </a:xfrm>
+          <a:prstGeom prst="line">
+            <a:avLst/>
+          </a:prstGeom>
+          <a:ln w="38100">
+            <a:solidFill>
+              <a:schemeClr val="bg1"/>
+            </a:solidFill>
+          </a:ln>
+        </p:spPr>
+        <p:style>
+          <a:lnRef idx="1">
+            <a:schemeClr val="accent1"/>
+          </a:lnRef>
+          <a:fillRef idx="0">
+            <a:schemeClr val="accent1"/>
+          </a:fillRef>
+          <a:effectRef idx="0">
+            <a:schemeClr val="accent1"/>
+          </a:effectRef>
+          <a:fontRef idx="minor">
+            <a:schemeClr val="tx1"/>
+          </a:fontRef>
+        </p:style>
+      </p:cxnSp>
+      <p:cxnSp>
+        <p:nvCxnSpPr>
+          <p:cNvPr id="10" name="직선 연결선 9">
+            <a:extLst>
+              <a:ext uri="{FF2B5EF4-FFF2-40B4-BE49-F238E27FC236}">
+                <a16:creationId xmlns:a16="http://schemas.microsoft.com/office/drawing/2014/main" id="{DB5550CA-D125-413B-AC2C-972B09E44836}"/>
+              </a:ext>
+            </a:extLst>
+          </p:cNvPr>
+          <p:cNvCxnSpPr>
+            <a:cxnSpLocks/>
+          </p:cNvCxnSpPr>
+          <p:nvPr/>
+        </p:nvCxnSpPr>
+        <p:spPr>
+          <a:xfrm>
+            <a:off x="733425" y="1323975"/>
+            <a:ext cx="6162675" cy="0"/>
+          </a:xfrm>
+          <a:prstGeom prst="line">
+            <a:avLst/>
+          </a:prstGeom>
+          <a:ln w="38100">
+            <a:solidFill>
+              <a:schemeClr val="bg1"/>
+            </a:solidFill>
+          </a:ln>
+        </p:spPr>
+        <p:style>
+          <a:lnRef idx="1">
+            <a:schemeClr val="accent1"/>
+          </a:lnRef>
+          <a:fillRef idx="0">
+            <a:schemeClr val="accent1"/>
+          </a:fillRef>
+          <a:effectRef idx="0">
+            <a:schemeClr val="accent1"/>
+          </a:effectRef>
+          <a:fontRef idx="minor">
+            <a:schemeClr val="tx1"/>
+          </a:fontRef>
+        </p:style>
+      </p:cxnSp>
+      <p:sp>
+        <p:nvSpPr>
+          <p:cNvPr id="11" name="TextBox 10">
+            <a:extLst>
+              <a:ext uri="{FF2B5EF4-FFF2-40B4-BE49-F238E27FC236}">
+                <a16:creationId xmlns:a16="http://schemas.microsoft.com/office/drawing/2014/main" id="{B84250E4-408D-4732-A870-6051DDC3B8F9}"/>
+              </a:ext>
+            </a:extLst>
+          </p:cNvPr>
+          <p:cNvSpPr txBox="1"/>
+          <p:nvPr/>
+        </p:nvSpPr>
+        <p:spPr>
+          <a:xfrm>
+            <a:off x="5931695" y="361830"/>
+            <a:ext cx="5526880" cy="830997"/>
+          </a:xfrm>
+          <a:prstGeom prst="rect">
+            <a:avLst/>
+          </a:prstGeom>
+          <a:noFill/>
+        </p:spPr>
+        <p:txBody>
+          <a:bodyPr wrap="square" rtlCol="0">
+            <a:spAutoFit/>
+          </a:bodyPr>
+          <a:lstStyle/>
+          <a:p>
+            <a:pPr marL="0" marR="0" lvl="0" indent="0" algn="l" defTabSz="914400" rtl="0" eaLnBrk="1" fontAlgn="auto" latinLnBrk="1" hangingPunct="1">
+              <a:lnSpc>
+                <a:spcPct val="100000"/>
+              </a:lnSpc>
+              <a:spcBef>
+                <a:spcPts val="0"/>
+              </a:spcBef>
+              <a:spcAft>
+                <a:spcPts val="0"/>
+              </a:spcAft>
+              <a:buClrTx/>
+              <a:buSzTx/>
+              <a:buFontTx/>
+              <a:buNone/>
+              <a:tabLst/>
+              <a:defRPr/>
+            </a:pPr>
+            <a:r>
+              <a:rPr kumimoji="0" lang="en-US" altLang="ko-KR" sz="2400" b="0" i="0" u="none" strike="noStrike" kern="1200" cap="none" spc="0" normalizeH="0" baseline="0" noProof="0" dirty="0">
+                <a:ln>
+                  <a:noFill/>
+                </a:ln>
+                <a:solidFill>
+                  <a:prstClr val="white"/>
+                </a:solidFill>
+                <a:effectLst/>
+                <a:uLnTx/>
+                <a:uFillTx/>
+                <a:latin typeface="a반달곰" panose="02020600000000000000" pitchFamily="18" charset="-127"/>
+                <a:ea typeface="a반달곰" panose="02020600000000000000" pitchFamily="18" charset="-127"/>
+                <a:cs typeface="+mn-cs"/>
+              </a:rPr>
+              <a:t>Error</a:t>
+            </a:r>
+          </a:p>
+          <a:p>
+            <a:pPr marL="0" marR="0" lvl="0" indent="0" algn="l" defTabSz="914400" rtl="0" eaLnBrk="1" fontAlgn="auto" latinLnBrk="1" hangingPunct="1">
+              <a:lnSpc>
+                <a:spcPct val="100000"/>
+              </a:lnSpc>
+              <a:spcBef>
+                <a:spcPts val="0"/>
+              </a:spcBef>
+              <a:spcAft>
+                <a:spcPts val="0"/>
+              </a:spcAft>
+              <a:buClrTx/>
+              <a:buSzTx/>
+              <a:buFontTx/>
+              <a:buNone/>
+              <a:tabLst/>
+              <a:defRPr/>
+            </a:pPr>
+            <a:r>
+              <a:rPr kumimoji="0" lang="en-US" altLang="ko-KR" sz="2400" b="0" i="0" u="none" strike="noStrike" kern="1200" cap="none" spc="0" normalizeH="0" baseline="0" noProof="0" dirty="0">
+                <a:ln>
+                  <a:noFill/>
+                </a:ln>
+                <a:solidFill>
+                  <a:prstClr val="white"/>
+                </a:solidFill>
+                <a:effectLst/>
+                <a:uLnTx/>
+                <a:uFillTx/>
+                <a:latin typeface="a반달곰" panose="02020600000000000000" pitchFamily="18" charset="-127"/>
+                <a:ea typeface="a반달곰" panose="02020600000000000000" pitchFamily="18" charset="-127"/>
+                <a:cs typeface="+mn-cs"/>
+              </a:rPr>
+              <a:t>(</a:t>
+            </a:r>
+            <a:r>
+              <a:rPr kumimoji="0" lang="ko-KR" altLang="en-US" sz="2400" b="0" i="0" u="none" strike="noStrike" kern="1200" cap="none" spc="0" normalizeH="0" baseline="0" noProof="0" dirty="0">
+                <a:ln>
+                  <a:noFill/>
+                </a:ln>
+                <a:solidFill>
+                  <a:prstClr val="white"/>
+                </a:solidFill>
+                <a:effectLst/>
+                <a:uLnTx/>
+                <a:uFillTx/>
+                <a:latin typeface="a반달곰" panose="02020600000000000000" pitchFamily="18" charset="-127"/>
+                <a:ea typeface="a반달곰" panose="02020600000000000000" pitchFamily="18" charset="-127"/>
+                <a:cs typeface="+mn-cs"/>
+              </a:rPr>
+              <a:t>네트워크가 연결되어 있지 않을 때</a:t>
+            </a:r>
+            <a:r>
+              <a:rPr kumimoji="0" lang="en-US" altLang="ko-KR" sz="2400" b="0" i="0" u="none" strike="noStrike" kern="1200" cap="none" spc="0" normalizeH="0" baseline="0" noProof="0" dirty="0">
+                <a:ln>
+                  <a:noFill/>
+                </a:ln>
+                <a:solidFill>
+                  <a:prstClr val="white"/>
+                </a:solidFill>
+                <a:effectLst/>
+                <a:uLnTx/>
+                <a:uFillTx/>
+                <a:latin typeface="a반달곰" panose="02020600000000000000" pitchFamily="18" charset="-127"/>
+                <a:ea typeface="a반달곰" panose="02020600000000000000" pitchFamily="18" charset="-127"/>
+                <a:cs typeface="+mn-cs"/>
+              </a:rPr>
+              <a:t>)</a:t>
+            </a:r>
+          </a:p>
+        </p:txBody>
+      </p:sp>
+    </p:spTree>
+    <p:extLst>
+      <p:ext uri="{BB962C8B-B14F-4D97-AF65-F5344CB8AC3E}">
+        <p14:creationId xmlns:p14="http://schemas.microsoft.com/office/powerpoint/2010/main" val="2383662342"/>
+      </p:ext>
+    </p:extLst>
+  </p:cSld>
+  <p:clrMapOvr>
+    <a:masterClrMapping/>
+  </p:clrMapOvr>
+</p:sld>
+</file>
+
+<file path=ppt/slides/slide22.xml><?xml version="1.0" encoding="utf-8"?>
+<p:sld xmlns:a="http://schemas.openxmlformats.org/drawingml/2006/main" xmlns:r="http://schemas.openxmlformats.org/officeDocument/2006/relationships" xmlns:p="http://schemas.openxmlformats.org/presentationml/2006/main">
+  <p:cSld>
+    <p:bg>
+      <p:bgPr>
+        <a:solidFill>
+          <a:srgbClr val="F8BAC3"/>
+        </a:solidFill>
+        <a:effectLst/>
+      </p:bgPr>
+    </p:bg>
+    <p:spTree>
+      <p:nvGrpSpPr>
+        <p:cNvPr id="1" name=""/>
+        <p:cNvGrpSpPr/>
+        <p:nvPr/>
+      </p:nvGrpSpPr>
+      <p:grpSpPr>
+        <a:xfrm>
+          <a:off x="0" y="0"/>
+          <a:ext cx="0" cy="0"/>
+          <a:chOff x="0" y="0"/>
+          <a:chExt cx="0" cy="0"/>
+        </a:xfrm>
+      </p:grpSpPr>
+      <p:sp>
+        <p:nvSpPr>
+          <p:cNvPr id="5" name="직사각형 4">
+            <a:extLst>
+              <a:ext uri="{FF2B5EF4-FFF2-40B4-BE49-F238E27FC236}">
+                <a16:creationId xmlns:a16="http://schemas.microsoft.com/office/drawing/2014/main" id="{FA2D001F-814F-4816-8B86-A14F32A763B5}"/>
+              </a:ext>
+            </a:extLst>
+          </p:cNvPr>
+          <p:cNvSpPr/>
+          <p:nvPr/>
+        </p:nvSpPr>
+        <p:spPr>
+          <a:xfrm>
+            <a:off x="400050" y="285750"/>
+            <a:ext cx="11534775" cy="6305550"/>
+          </a:xfrm>
+          <a:prstGeom prst="rect">
+            <a:avLst/>
+          </a:prstGeom>
+          <a:noFill/>
+          <a:ln w="57150">
+            <a:solidFill>
+              <a:schemeClr val="bg1"/>
+            </a:solidFill>
+          </a:ln>
+        </p:spPr>
+        <p:style>
+          <a:lnRef idx="2">
+            <a:schemeClr val="accent1">
+              <a:shade val="50000"/>
+            </a:schemeClr>
+          </a:lnRef>
+          <a:fillRef idx="1">
+            <a:schemeClr val="accent1"/>
+          </a:fillRef>
+          <a:effectRef idx="0">
+            <a:schemeClr val="accent1"/>
+          </a:effectRef>
+          <a:fontRef idx="minor">
+            <a:schemeClr val="lt1"/>
+          </a:fontRef>
+        </p:style>
+        <p:txBody>
+          <a:bodyPr rtlCol="0" anchor="ctr"/>
+          <a:lstStyle/>
+          <a:p>
+            <a:pPr marL="0" marR="0" lvl="0" indent="0" algn="ctr" defTabSz="914400" rtl="0" eaLnBrk="1" fontAlgn="auto" latinLnBrk="1" hangingPunct="1">
+              <a:lnSpc>
+                <a:spcPct val="100000"/>
+              </a:lnSpc>
+              <a:spcBef>
+                <a:spcPts val="0"/>
+              </a:spcBef>
+              <a:spcAft>
+                <a:spcPts val="0"/>
+              </a:spcAft>
+              <a:buClrTx/>
+              <a:buSzTx/>
+              <a:buFontTx/>
+              <a:buNone/>
+              <a:tabLst/>
+              <a:defRPr/>
+            </a:pPr>
+            <a:endParaRPr kumimoji="0" lang="ko-KR" altLang="en-US" sz="1800" b="0" i="0" u="none" strike="noStrike" kern="1200" cap="none" spc="0" normalizeH="0" baseline="0" noProof="0">
+              <a:ln>
+                <a:noFill/>
+              </a:ln>
+              <a:solidFill>
+                <a:prstClr val="white"/>
+              </a:solidFill>
+              <a:effectLst/>
+              <a:uLnTx/>
+              <a:uFillTx/>
+              <a:latin typeface="맑은 고딕" panose="020F0502020204030204"/>
+              <a:ea typeface="맑은 고딕" panose="020B0503020000020004" pitchFamily="50" charset="-127"/>
+              <a:cs typeface="+mn-cs"/>
+            </a:endParaRPr>
+          </a:p>
+        </p:txBody>
+      </p:sp>
+      <p:sp>
+        <p:nvSpPr>
+          <p:cNvPr id="9" name="TextBox 8">
+            <a:extLst>
+              <a:ext uri="{FF2B5EF4-FFF2-40B4-BE49-F238E27FC236}">
+                <a16:creationId xmlns:a16="http://schemas.microsoft.com/office/drawing/2014/main" id="{EE575279-192C-436E-8160-7C191F550995}"/>
+              </a:ext>
+            </a:extLst>
+          </p:cNvPr>
+          <p:cNvSpPr txBox="1"/>
+          <p:nvPr/>
+        </p:nvSpPr>
+        <p:spPr>
+          <a:xfrm>
+            <a:off x="842962" y="392609"/>
+            <a:ext cx="6162675" cy="769441"/>
+          </a:xfrm>
+          <a:prstGeom prst="rect">
+            <a:avLst/>
+          </a:prstGeom>
+          <a:noFill/>
+        </p:spPr>
+        <p:txBody>
+          <a:bodyPr wrap="square" rtlCol="0">
+            <a:spAutoFit/>
+          </a:bodyPr>
+          <a:lstStyle/>
+          <a:p>
+            <a:pPr marL="0" marR="0" lvl="0" indent="0" algn="l" defTabSz="914400" rtl="0" eaLnBrk="1" fontAlgn="auto" latinLnBrk="1" hangingPunct="1">
+              <a:lnSpc>
+                <a:spcPct val="100000"/>
+              </a:lnSpc>
+              <a:spcBef>
+                <a:spcPts val="0"/>
+              </a:spcBef>
+              <a:spcAft>
+                <a:spcPts val="0"/>
+              </a:spcAft>
+              <a:buClrTx/>
+              <a:buSzTx/>
+              <a:buFontTx/>
+              <a:buNone/>
+              <a:tabLst/>
+              <a:defRPr/>
+            </a:pPr>
+            <a:r>
+              <a:rPr lang="ko-KR" altLang="en-US" sz="4400" dirty="0">
+                <a:solidFill>
+                  <a:prstClr val="white"/>
+                </a:solidFill>
+                <a:latin typeface="a반달곰" panose="02020600000000000000" pitchFamily="18" charset="-127"/>
+                <a:ea typeface="a반달곰" panose="02020600000000000000" pitchFamily="18" charset="-127"/>
+              </a:rPr>
+              <a:t>웹 실행 장면</a:t>
+            </a:r>
+            <a:endParaRPr kumimoji="0" lang="ko-KR" altLang="en-US" sz="4400" b="0" i="0" u="none" strike="noStrike" kern="1200" cap="none" spc="0" normalizeH="0" baseline="0" noProof="0" dirty="0">
+              <a:ln>
+                <a:noFill/>
+              </a:ln>
+              <a:solidFill>
+                <a:prstClr val="white"/>
+              </a:solidFill>
+              <a:effectLst/>
+              <a:uLnTx/>
+              <a:uFillTx/>
+              <a:latin typeface="a반달곰" panose="02020600000000000000" pitchFamily="18" charset="-127"/>
+              <a:ea typeface="a반달곰" panose="02020600000000000000" pitchFamily="18" charset="-127"/>
+              <a:cs typeface="+mn-cs"/>
+            </a:endParaRPr>
+          </a:p>
+        </p:txBody>
+      </p:sp>
+      <p:cxnSp>
+        <p:nvCxnSpPr>
+          <p:cNvPr id="3" name="직선 연결선 2">
+            <a:extLst>
+              <a:ext uri="{FF2B5EF4-FFF2-40B4-BE49-F238E27FC236}">
+                <a16:creationId xmlns:a16="http://schemas.microsoft.com/office/drawing/2014/main" id="{1CC00C8A-1CA0-4094-8AD1-C957061A3059}"/>
+              </a:ext>
+            </a:extLst>
+          </p:cNvPr>
+          <p:cNvCxnSpPr>
+            <a:cxnSpLocks/>
+          </p:cNvCxnSpPr>
+          <p:nvPr/>
+        </p:nvCxnSpPr>
+        <p:spPr>
+          <a:xfrm>
+            <a:off x="733425" y="1228725"/>
+            <a:ext cx="6162675" cy="0"/>
+          </a:xfrm>
+          <a:prstGeom prst="line">
+            <a:avLst/>
+          </a:prstGeom>
+          <a:ln w="38100">
+            <a:solidFill>
+              <a:schemeClr val="bg1"/>
+            </a:solidFill>
+          </a:ln>
+        </p:spPr>
+        <p:style>
+          <a:lnRef idx="1">
+            <a:schemeClr val="accent1"/>
+          </a:lnRef>
+          <a:fillRef idx="0">
+            <a:schemeClr val="accent1"/>
+          </a:fillRef>
+          <a:effectRef idx="0">
+            <a:schemeClr val="accent1"/>
+          </a:effectRef>
+          <a:fontRef idx="minor">
+            <a:schemeClr val="tx1"/>
+          </a:fontRef>
+        </p:style>
+      </p:cxnSp>
+      <p:cxnSp>
+        <p:nvCxnSpPr>
+          <p:cNvPr id="10" name="직선 연결선 9">
+            <a:extLst>
+              <a:ext uri="{FF2B5EF4-FFF2-40B4-BE49-F238E27FC236}">
+                <a16:creationId xmlns:a16="http://schemas.microsoft.com/office/drawing/2014/main" id="{DB5550CA-D125-413B-AC2C-972B09E44836}"/>
+              </a:ext>
+            </a:extLst>
+          </p:cNvPr>
+          <p:cNvCxnSpPr>
+            <a:cxnSpLocks/>
+          </p:cNvCxnSpPr>
+          <p:nvPr/>
+        </p:nvCxnSpPr>
+        <p:spPr>
+          <a:xfrm>
+            <a:off x="733425" y="1323975"/>
+            <a:ext cx="6162675" cy="0"/>
+          </a:xfrm>
+          <a:prstGeom prst="line">
+            <a:avLst/>
+          </a:prstGeom>
+          <a:ln w="38100">
+            <a:solidFill>
+              <a:schemeClr val="bg1"/>
+            </a:solidFill>
+          </a:ln>
+        </p:spPr>
+        <p:style>
+          <a:lnRef idx="1">
+            <a:schemeClr val="accent1"/>
+          </a:lnRef>
+          <a:fillRef idx="0">
+            <a:schemeClr val="accent1"/>
+          </a:fillRef>
+          <a:effectRef idx="0">
+            <a:schemeClr val="accent1"/>
+          </a:effectRef>
+          <a:fontRef idx="minor">
+            <a:schemeClr val="tx1"/>
+          </a:fontRef>
+        </p:style>
+      </p:cxnSp>
+    </p:spTree>
+    <p:extLst>
+      <p:ext uri="{BB962C8B-B14F-4D97-AF65-F5344CB8AC3E}">
+        <p14:creationId xmlns:p14="http://schemas.microsoft.com/office/powerpoint/2010/main" val="1664925549"/>
+      </p:ext>
+    </p:extLst>
+  </p:cSld>
+  <p:clrMapOvr>
+    <a:masterClrMapping/>
+  </p:clrMapOvr>
+</p:sld>
+</file>
+
+<file path=ppt/slides/slide23.xml><?xml version="1.0" encoding="utf-8"?>
+<p:sld xmlns:a="http://schemas.openxmlformats.org/drawingml/2006/main" xmlns:r="http://schemas.openxmlformats.org/officeDocument/2006/relationships" xmlns:p="http://schemas.openxmlformats.org/presentationml/2006/main">
+  <p:cSld>
+    <p:bg>
+      <p:bgPr>
+        <a:solidFill>
+          <a:srgbClr val="F8BAC3"/>
+        </a:solidFill>
+        <a:effectLst/>
+      </p:bgPr>
+    </p:bg>
+    <p:spTree>
+      <p:nvGrpSpPr>
+        <p:cNvPr id="1" name=""/>
+        <p:cNvGrpSpPr/>
+        <p:nvPr/>
+      </p:nvGrpSpPr>
+      <p:grpSpPr>
+        <a:xfrm>
+          <a:off x="0" y="0"/>
+          <a:ext cx="0" cy="0"/>
+          <a:chOff x="0" y="0"/>
+          <a:chExt cx="0" cy="0"/>
+        </a:xfrm>
+      </p:grpSpPr>
+      <p:sp>
+        <p:nvSpPr>
+          <p:cNvPr id="5" name="직사각형 4">
+            <a:extLst>
+              <a:ext uri="{FF2B5EF4-FFF2-40B4-BE49-F238E27FC236}">
+                <a16:creationId xmlns:a16="http://schemas.microsoft.com/office/drawing/2014/main" id="{FA2D001F-814F-4816-8B86-A14F32A763B5}"/>
+              </a:ext>
+            </a:extLst>
+          </p:cNvPr>
+          <p:cNvSpPr/>
+          <p:nvPr/>
+        </p:nvSpPr>
+        <p:spPr>
+          <a:xfrm>
+            <a:off x="400050" y="285750"/>
+            <a:ext cx="11534775" cy="6305550"/>
+          </a:xfrm>
+          <a:prstGeom prst="rect">
+            <a:avLst/>
+          </a:prstGeom>
+          <a:noFill/>
+          <a:ln w="57150">
+            <a:solidFill>
+              <a:schemeClr val="bg1"/>
+            </a:solidFill>
+          </a:ln>
+        </p:spPr>
+        <p:style>
+          <a:lnRef idx="2">
+            <a:schemeClr val="accent1">
+              <a:shade val="50000"/>
+            </a:schemeClr>
+          </a:lnRef>
+          <a:fillRef idx="1">
+            <a:schemeClr val="accent1"/>
+          </a:fillRef>
+          <a:effectRef idx="0">
+            <a:schemeClr val="accent1"/>
+          </a:effectRef>
+          <a:fontRef idx="minor">
+            <a:schemeClr val="lt1"/>
+          </a:fontRef>
+        </p:style>
+        <p:txBody>
+          <a:bodyPr rtlCol="0" anchor="ctr"/>
+          <a:lstStyle/>
+          <a:p>
+            <a:pPr marL="0" marR="0" lvl="0" indent="0" algn="ctr" defTabSz="914400" rtl="0" eaLnBrk="1" fontAlgn="auto" latinLnBrk="1" hangingPunct="1">
+              <a:lnSpc>
+                <a:spcPct val="100000"/>
+              </a:lnSpc>
+              <a:spcBef>
+                <a:spcPts val="0"/>
+              </a:spcBef>
+              <a:spcAft>
+                <a:spcPts val="0"/>
+              </a:spcAft>
+              <a:buClrTx/>
+              <a:buSzTx/>
+              <a:buFontTx/>
+              <a:buNone/>
+              <a:tabLst/>
+              <a:defRPr/>
+            </a:pPr>
+            <a:endParaRPr kumimoji="0" lang="ko-KR" altLang="en-US" sz="1800" b="0" i="0" u="none" strike="noStrike" kern="1200" cap="none" spc="0" normalizeH="0" baseline="0" noProof="0">
+              <a:ln>
+                <a:noFill/>
+              </a:ln>
+              <a:solidFill>
+                <a:prstClr val="white"/>
+              </a:solidFill>
+              <a:effectLst/>
+              <a:uLnTx/>
+              <a:uFillTx/>
+              <a:latin typeface="맑은 고딕" panose="020F0502020204030204"/>
+              <a:ea typeface="맑은 고딕" panose="020B0503020000020004" pitchFamily="50" charset="-127"/>
+              <a:cs typeface="+mn-cs"/>
+            </a:endParaRPr>
+          </a:p>
+        </p:txBody>
+      </p:sp>
+      <p:sp>
+        <p:nvSpPr>
+          <p:cNvPr id="9" name="TextBox 8">
+            <a:extLst>
+              <a:ext uri="{FF2B5EF4-FFF2-40B4-BE49-F238E27FC236}">
+                <a16:creationId xmlns:a16="http://schemas.microsoft.com/office/drawing/2014/main" id="{EE575279-192C-436E-8160-7C191F550995}"/>
+              </a:ext>
+            </a:extLst>
+          </p:cNvPr>
+          <p:cNvSpPr txBox="1"/>
+          <p:nvPr/>
+        </p:nvSpPr>
+        <p:spPr>
+          <a:xfrm>
+            <a:off x="842962" y="392609"/>
+            <a:ext cx="6567488" cy="769441"/>
+          </a:xfrm>
+          <a:prstGeom prst="rect">
+            <a:avLst/>
+          </a:prstGeom>
+          <a:noFill/>
+        </p:spPr>
+        <p:txBody>
+          <a:bodyPr wrap="square" rtlCol="0">
+            <a:spAutoFit/>
+          </a:bodyPr>
+          <a:lstStyle/>
+          <a:p>
+            <a:pPr marL="0" marR="0" lvl="0" indent="0" algn="l" defTabSz="914400" rtl="0" eaLnBrk="1" fontAlgn="auto" latinLnBrk="1" hangingPunct="1">
+              <a:lnSpc>
+                <a:spcPct val="100000"/>
+              </a:lnSpc>
+              <a:spcBef>
+                <a:spcPts val="0"/>
+              </a:spcBef>
+              <a:spcAft>
+                <a:spcPts val="0"/>
+              </a:spcAft>
+              <a:buClrTx/>
+              <a:buSzTx/>
+              <a:buFontTx/>
+              <a:buNone/>
+              <a:tabLst/>
+              <a:defRPr/>
+            </a:pPr>
+            <a:r>
+              <a:rPr kumimoji="0" lang="ko-KR" altLang="en-US" sz="4400" b="0" i="0" u="none" strike="noStrike" kern="1200" cap="none" spc="0" normalizeH="0" baseline="0" noProof="0" dirty="0">
+                <a:ln>
+                  <a:noFill/>
+                </a:ln>
+                <a:solidFill>
+                  <a:prstClr val="white"/>
+                </a:solidFill>
+                <a:effectLst/>
+                <a:uLnTx/>
+                <a:uFillTx/>
+                <a:latin typeface="a반달곰" panose="02020600000000000000" pitchFamily="18" charset="-127"/>
+                <a:ea typeface="a반달곰" panose="02020600000000000000" pitchFamily="18" charset="-127"/>
+                <a:cs typeface="+mn-cs"/>
+              </a:rPr>
+              <a:t>전체 </a:t>
+            </a:r>
+            <a:r>
+              <a:rPr lang="en-US" altLang="ko-KR" sz="4400" dirty="0">
+                <a:solidFill>
+                  <a:prstClr val="white"/>
+                </a:solidFill>
+                <a:latin typeface="a반달곰" panose="02020600000000000000" pitchFamily="18" charset="-127"/>
+                <a:ea typeface="a반달곰" panose="02020600000000000000" pitchFamily="18" charset="-127"/>
+              </a:rPr>
+              <a:t>Design</a:t>
+            </a:r>
+            <a:r>
+              <a:rPr kumimoji="0" lang="ko-KR" altLang="en-US" sz="4400" b="0" i="0" u="none" strike="noStrike" kern="1200" cap="none" spc="0" normalizeH="0" baseline="0" noProof="0" dirty="0">
+                <a:ln>
+                  <a:noFill/>
+                </a:ln>
+                <a:solidFill>
+                  <a:prstClr val="white"/>
+                </a:solidFill>
+                <a:effectLst/>
+                <a:uLnTx/>
+                <a:uFillTx/>
+                <a:latin typeface="a반달곰" panose="02020600000000000000" pitchFamily="18" charset="-127"/>
+                <a:ea typeface="a반달곰" panose="02020600000000000000" pitchFamily="18" charset="-127"/>
+                <a:cs typeface="+mn-cs"/>
+              </a:rPr>
+              <a:t> 스크린 샷</a:t>
+            </a:r>
+          </a:p>
+        </p:txBody>
+      </p:sp>
+      <p:cxnSp>
+        <p:nvCxnSpPr>
+          <p:cNvPr id="3" name="직선 연결선 2">
+            <a:extLst>
+              <a:ext uri="{FF2B5EF4-FFF2-40B4-BE49-F238E27FC236}">
+                <a16:creationId xmlns:a16="http://schemas.microsoft.com/office/drawing/2014/main" id="{1CC00C8A-1CA0-4094-8AD1-C957061A3059}"/>
+              </a:ext>
+            </a:extLst>
+          </p:cNvPr>
+          <p:cNvCxnSpPr>
+            <a:cxnSpLocks/>
+          </p:cNvCxnSpPr>
+          <p:nvPr/>
+        </p:nvCxnSpPr>
+        <p:spPr>
+          <a:xfrm>
+            <a:off x="733425" y="1228725"/>
+            <a:ext cx="6448425" cy="0"/>
+          </a:xfrm>
+          <a:prstGeom prst="line">
+            <a:avLst/>
+          </a:prstGeom>
+          <a:ln w="38100">
+            <a:solidFill>
+              <a:schemeClr val="bg1"/>
+            </a:solidFill>
+          </a:ln>
+        </p:spPr>
+        <p:style>
+          <a:lnRef idx="1">
+            <a:schemeClr val="accent1"/>
+          </a:lnRef>
+          <a:fillRef idx="0">
+            <a:schemeClr val="accent1"/>
+          </a:fillRef>
+          <a:effectRef idx="0">
+            <a:schemeClr val="accent1"/>
+          </a:effectRef>
+          <a:fontRef idx="minor">
+            <a:schemeClr val="tx1"/>
+          </a:fontRef>
+        </p:style>
+      </p:cxnSp>
+      <p:cxnSp>
+        <p:nvCxnSpPr>
+          <p:cNvPr id="10" name="직선 연결선 9">
+            <a:extLst>
+              <a:ext uri="{FF2B5EF4-FFF2-40B4-BE49-F238E27FC236}">
+                <a16:creationId xmlns:a16="http://schemas.microsoft.com/office/drawing/2014/main" id="{DB5550CA-D125-413B-AC2C-972B09E44836}"/>
+              </a:ext>
+            </a:extLst>
+          </p:cNvPr>
+          <p:cNvCxnSpPr>
+            <a:cxnSpLocks/>
+          </p:cNvCxnSpPr>
+          <p:nvPr/>
+        </p:nvCxnSpPr>
+        <p:spPr>
+          <a:xfrm>
+            <a:off x="733425" y="1323975"/>
+            <a:ext cx="6448425" cy="0"/>
+          </a:xfrm>
+          <a:prstGeom prst="line">
+            <a:avLst/>
+          </a:prstGeom>
+          <a:ln w="38100">
+            <a:solidFill>
+              <a:schemeClr val="bg1"/>
+            </a:solidFill>
+          </a:ln>
+        </p:spPr>
+        <p:style>
+          <a:lnRef idx="1">
+            <a:schemeClr val="accent1"/>
+          </a:lnRef>
+          <a:fillRef idx="0">
+            <a:schemeClr val="accent1"/>
+          </a:fillRef>
+          <a:effectRef idx="0">
+            <a:schemeClr val="accent1"/>
+          </a:effectRef>
+          <a:fontRef idx="minor">
+            <a:schemeClr val="tx1"/>
+          </a:fontRef>
+        </p:style>
+      </p:cxnSp>
+    </p:spTree>
+    <p:extLst>
+      <p:ext uri="{BB962C8B-B14F-4D97-AF65-F5344CB8AC3E}">
+        <p14:creationId xmlns:p14="http://schemas.microsoft.com/office/powerpoint/2010/main" val="2772203719"/>
+      </p:ext>
+    </p:extLst>
+  </p:cSld>
+  <p:clrMapOvr>
+    <a:masterClrMapping/>
+  </p:clrMapOvr>
+</p:sld>
+</file>
+
+<file path=ppt/slides/slide24.xml><?xml version="1.0" encoding="utf-8"?>
+<p:sld xmlns:a="http://schemas.openxmlformats.org/drawingml/2006/main" xmlns:r="http://schemas.openxmlformats.org/officeDocument/2006/relationships" xmlns:p="http://schemas.openxmlformats.org/presentationml/2006/main">
+  <p:cSld>
+    <p:bg>
+      <p:bgPr>
+        <a:solidFill>
+          <a:srgbClr val="F8BAC3"/>
+        </a:solidFill>
+        <a:effectLst/>
+      </p:bgPr>
+    </p:bg>
+    <p:spTree>
+      <p:nvGrpSpPr>
+        <p:cNvPr id="1" name=""/>
+        <p:cNvGrpSpPr/>
+        <p:nvPr/>
+      </p:nvGrpSpPr>
+      <p:grpSpPr>
+        <a:xfrm>
+          <a:off x="0" y="0"/>
+          <a:ext cx="0" cy="0"/>
+          <a:chOff x="0" y="0"/>
+          <a:chExt cx="0" cy="0"/>
+        </a:xfrm>
+      </p:grpSpPr>
+      <p:sp>
+        <p:nvSpPr>
+          <p:cNvPr id="5" name="직사각형 4">
+            <a:extLst>
+              <a:ext uri="{FF2B5EF4-FFF2-40B4-BE49-F238E27FC236}">
+                <a16:creationId xmlns:a16="http://schemas.microsoft.com/office/drawing/2014/main" id="{FA2D001F-814F-4816-8B86-A14F32A763B5}"/>
+              </a:ext>
+            </a:extLst>
+          </p:cNvPr>
+          <p:cNvSpPr/>
+          <p:nvPr/>
+        </p:nvSpPr>
+        <p:spPr>
+          <a:xfrm>
+            <a:off x="400050" y="285750"/>
+            <a:ext cx="11534775" cy="6305550"/>
+          </a:xfrm>
+          <a:prstGeom prst="rect">
+            <a:avLst/>
+          </a:prstGeom>
+          <a:noFill/>
+          <a:ln w="57150">
+            <a:solidFill>
+              <a:schemeClr val="bg1"/>
+            </a:solidFill>
+          </a:ln>
+        </p:spPr>
+        <p:style>
+          <a:lnRef idx="2">
+            <a:schemeClr val="accent1">
+              <a:shade val="50000"/>
+            </a:schemeClr>
+          </a:lnRef>
+          <a:fillRef idx="1">
+            <a:schemeClr val="accent1"/>
+          </a:fillRef>
+          <a:effectRef idx="0">
+            <a:schemeClr val="accent1"/>
+          </a:effectRef>
+          <a:fontRef idx="minor">
+            <a:schemeClr val="lt1"/>
+          </a:fontRef>
+        </p:style>
+        <p:txBody>
+          <a:bodyPr rtlCol="0" anchor="ctr"/>
+          <a:lstStyle/>
+          <a:p>
+            <a:pPr marL="0" marR="0" lvl="0" indent="0" algn="ctr" defTabSz="914400" rtl="0" eaLnBrk="1" fontAlgn="auto" latinLnBrk="1" hangingPunct="1">
+              <a:lnSpc>
+                <a:spcPct val="100000"/>
+              </a:lnSpc>
+              <a:spcBef>
+                <a:spcPts val="0"/>
+              </a:spcBef>
+              <a:spcAft>
+                <a:spcPts val="0"/>
+              </a:spcAft>
+              <a:buClrTx/>
+              <a:buSzTx/>
+              <a:buFontTx/>
+              <a:buNone/>
+              <a:tabLst/>
+              <a:defRPr/>
+            </a:pPr>
+            <a:endParaRPr kumimoji="0" lang="ko-KR" altLang="en-US" sz="1800" b="0" i="0" u="none" strike="noStrike" kern="1200" cap="none" spc="0" normalizeH="0" baseline="0" noProof="0">
+              <a:ln>
+                <a:noFill/>
+              </a:ln>
+              <a:solidFill>
+                <a:prstClr val="white"/>
+              </a:solidFill>
+              <a:effectLst/>
+              <a:uLnTx/>
+              <a:uFillTx/>
+              <a:latin typeface="맑은 고딕" panose="020F0502020204030204"/>
+              <a:ea typeface="맑은 고딕" panose="020B0503020000020004" pitchFamily="50" charset="-127"/>
+              <a:cs typeface="+mn-cs"/>
+            </a:endParaRPr>
+          </a:p>
+        </p:txBody>
+      </p:sp>
+      <p:sp>
+        <p:nvSpPr>
+          <p:cNvPr id="9" name="TextBox 8">
+            <a:extLst>
+              <a:ext uri="{FF2B5EF4-FFF2-40B4-BE49-F238E27FC236}">
+                <a16:creationId xmlns:a16="http://schemas.microsoft.com/office/drawing/2014/main" id="{EE575279-192C-436E-8160-7C191F550995}"/>
+              </a:ext>
+            </a:extLst>
+          </p:cNvPr>
+          <p:cNvSpPr txBox="1"/>
+          <p:nvPr/>
+        </p:nvSpPr>
+        <p:spPr>
+          <a:xfrm>
+            <a:off x="842962" y="392609"/>
+            <a:ext cx="6162675" cy="769441"/>
+          </a:xfrm>
+          <a:prstGeom prst="rect">
+            <a:avLst/>
+          </a:prstGeom>
+          <a:noFill/>
+        </p:spPr>
+        <p:txBody>
+          <a:bodyPr wrap="square" rtlCol="0">
+            <a:spAutoFit/>
+          </a:bodyPr>
+          <a:lstStyle/>
+          <a:p>
+            <a:pPr marL="0" marR="0" lvl="0" indent="0" algn="l" defTabSz="914400" rtl="0" eaLnBrk="1" fontAlgn="auto" latinLnBrk="1" hangingPunct="1">
+              <a:lnSpc>
+                <a:spcPct val="100000"/>
+              </a:lnSpc>
+              <a:spcBef>
+                <a:spcPts val="0"/>
+              </a:spcBef>
+              <a:spcAft>
+                <a:spcPts val="0"/>
+              </a:spcAft>
+              <a:buClrTx/>
+              <a:buSzTx/>
+              <a:buFontTx/>
+              <a:buNone/>
+              <a:tabLst/>
+              <a:defRPr/>
+            </a:pPr>
+            <a:r>
+              <a:rPr kumimoji="0" lang="ko-KR" altLang="en-US" sz="4400" b="0" i="0" u="none" strike="noStrike" kern="1200" cap="none" spc="0" normalizeH="0" baseline="0" noProof="0" dirty="0">
+                <a:ln>
+                  <a:noFill/>
+                </a:ln>
+                <a:solidFill>
+                  <a:prstClr val="white"/>
+                </a:solidFill>
+                <a:effectLst/>
+                <a:uLnTx/>
+                <a:uFillTx/>
+                <a:latin typeface="a반달곰" panose="02020600000000000000" pitchFamily="18" charset="-127"/>
+                <a:ea typeface="a반달곰" panose="02020600000000000000" pitchFamily="18" charset="-127"/>
+                <a:cs typeface="+mn-cs"/>
+              </a:rPr>
+              <a:t>전체 코드 스크린 샷</a:t>
+            </a:r>
+          </a:p>
+        </p:txBody>
+      </p:sp>
+      <p:cxnSp>
+        <p:nvCxnSpPr>
+          <p:cNvPr id="3" name="직선 연결선 2">
+            <a:extLst>
+              <a:ext uri="{FF2B5EF4-FFF2-40B4-BE49-F238E27FC236}">
+                <a16:creationId xmlns:a16="http://schemas.microsoft.com/office/drawing/2014/main" id="{1CC00C8A-1CA0-4094-8AD1-C957061A3059}"/>
+              </a:ext>
+            </a:extLst>
+          </p:cNvPr>
+          <p:cNvCxnSpPr>
+            <a:cxnSpLocks/>
+          </p:cNvCxnSpPr>
+          <p:nvPr/>
+        </p:nvCxnSpPr>
+        <p:spPr>
+          <a:xfrm>
+            <a:off x="733425" y="1228725"/>
+            <a:ext cx="6162675" cy="0"/>
+          </a:xfrm>
+          <a:prstGeom prst="line">
+            <a:avLst/>
+          </a:prstGeom>
+          <a:ln w="38100">
+            <a:solidFill>
+              <a:schemeClr val="bg1"/>
+            </a:solidFill>
+          </a:ln>
+        </p:spPr>
+        <p:style>
+          <a:lnRef idx="1">
+            <a:schemeClr val="accent1"/>
+          </a:lnRef>
+          <a:fillRef idx="0">
+            <a:schemeClr val="accent1"/>
+          </a:fillRef>
+          <a:effectRef idx="0">
+            <a:schemeClr val="accent1"/>
+          </a:effectRef>
+          <a:fontRef idx="minor">
+            <a:schemeClr val="tx1"/>
+          </a:fontRef>
+        </p:style>
+      </p:cxnSp>
+      <p:cxnSp>
+        <p:nvCxnSpPr>
+          <p:cNvPr id="10" name="직선 연결선 9">
+            <a:extLst>
+              <a:ext uri="{FF2B5EF4-FFF2-40B4-BE49-F238E27FC236}">
+                <a16:creationId xmlns:a16="http://schemas.microsoft.com/office/drawing/2014/main" id="{DB5550CA-D125-413B-AC2C-972B09E44836}"/>
+              </a:ext>
+            </a:extLst>
+          </p:cNvPr>
+          <p:cNvCxnSpPr>
+            <a:cxnSpLocks/>
+          </p:cNvCxnSpPr>
+          <p:nvPr/>
+        </p:nvCxnSpPr>
+        <p:spPr>
+          <a:xfrm>
+            <a:off x="733425" y="1323975"/>
+            <a:ext cx="6162675" cy="0"/>
+          </a:xfrm>
+          <a:prstGeom prst="line">
+            <a:avLst/>
+          </a:prstGeom>
+          <a:ln w="38100">
+            <a:solidFill>
+              <a:schemeClr val="bg1"/>
+            </a:solidFill>
+          </a:ln>
+        </p:spPr>
+        <p:style>
+          <a:lnRef idx="1">
+            <a:schemeClr val="accent1"/>
+          </a:lnRef>
+          <a:fillRef idx="0">
+            <a:schemeClr val="accent1"/>
+          </a:fillRef>
+          <a:effectRef idx="0">
+            <a:schemeClr val="accent1"/>
+          </a:effectRef>
+          <a:fontRef idx="minor">
+            <a:schemeClr val="tx1"/>
+          </a:fontRef>
+        </p:style>
+      </p:cxnSp>
+    </p:spTree>
+    <p:extLst>
+      <p:ext uri="{BB962C8B-B14F-4D97-AF65-F5344CB8AC3E}">
+        <p14:creationId xmlns:p14="http://schemas.microsoft.com/office/powerpoint/2010/main" val="1083399198"/>
       </p:ext>
     </p:extLst>
   </p:cSld>
@@ -9022,7 +12007,7 @@
                 <a:latin typeface="a반달곰" panose="02020600000000000000" pitchFamily="18" charset="-127"/>
                 <a:ea typeface="a반달곰" panose="02020600000000000000" pitchFamily="18" charset="-127"/>
               </a:rPr>
-              <a:t>Initialize Part</a:t>
+              <a:t>Screen1.Initialize</a:t>
             </a:r>
           </a:p>
         </p:txBody>
@@ -9222,6 +12207,733 @@
               </a:solidFill>
               <a:latin typeface="a반달곰" panose="02020600000000000000" pitchFamily="18" charset="-127"/>
               <a:ea typeface="a반달곰" panose="02020600000000000000" pitchFamily="18" charset="-127"/>
+            </a:endParaRPr>
+          </a:p>
+        </p:txBody>
+      </p:sp>
+      <p:sp>
+        <p:nvSpPr>
+          <p:cNvPr id="27" name="TextBox 26">
+            <a:extLst>
+              <a:ext uri="{FF2B5EF4-FFF2-40B4-BE49-F238E27FC236}">
+                <a16:creationId xmlns:a16="http://schemas.microsoft.com/office/drawing/2014/main" id="{1E99425D-C9BB-45CA-9C03-8C49DE8CAE80}"/>
+              </a:ext>
+            </a:extLst>
+          </p:cNvPr>
+          <p:cNvSpPr txBox="1"/>
+          <p:nvPr/>
+        </p:nvSpPr>
+        <p:spPr>
+          <a:xfrm>
+            <a:off x="4338434" y="1502138"/>
+            <a:ext cx="3403103" cy="830997"/>
+          </a:xfrm>
+          <a:prstGeom prst="rect">
+            <a:avLst/>
+          </a:prstGeom>
+          <a:noFill/>
+        </p:spPr>
+        <p:txBody>
+          <a:bodyPr wrap="square" rtlCol="0">
+            <a:spAutoFit/>
+          </a:bodyPr>
+          <a:lstStyle/>
+          <a:p>
+            <a:pPr marL="0" marR="0" lvl="0" indent="0" algn="l" defTabSz="914400" rtl="0" eaLnBrk="1" fontAlgn="auto" latinLnBrk="1" hangingPunct="1">
+              <a:lnSpc>
+                <a:spcPct val="100000"/>
+              </a:lnSpc>
+              <a:spcBef>
+                <a:spcPts val="0"/>
+              </a:spcBef>
+              <a:spcAft>
+                <a:spcPts val="0"/>
+              </a:spcAft>
+              <a:buClrTx/>
+              <a:buSzTx/>
+              <a:buFontTx/>
+              <a:buNone/>
+              <a:tabLst/>
+              <a:defRPr/>
+            </a:pPr>
+            <a:r>
+              <a:rPr lang="en-US" altLang="ko-KR" sz="2400" dirty="0">
+                <a:solidFill>
+                  <a:prstClr val="white"/>
+                </a:solidFill>
+                <a:latin typeface="a반달곰" panose="02020600000000000000" pitchFamily="18" charset="-127"/>
+                <a:ea typeface="a반달곰" panose="02020600000000000000" pitchFamily="18" charset="-127"/>
+              </a:rPr>
+              <a:t>Procedure_</a:t>
+            </a:r>
+          </a:p>
+          <a:p>
+            <a:pPr marL="0" marR="0" lvl="0" indent="0" algn="l" defTabSz="914400" rtl="0" eaLnBrk="1" fontAlgn="auto" latinLnBrk="1" hangingPunct="1">
+              <a:lnSpc>
+                <a:spcPct val="100000"/>
+              </a:lnSpc>
+              <a:spcBef>
+                <a:spcPts val="0"/>
+              </a:spcBef>
+              <a:spcAft>
+                <a:spcPts val="0"/>
+              </a:spcAft>
+              <a:buClrTx/>
+              <a:buSzTx/>
+              <a:buFontTx/>
+              <a:buNone/>
+              <a:tabLst/>
+              <a:defRPr/>
+            </a:pPr>
+            <a:r>
+              <a:rPr lang="en-US" altLang="ko-KR" sz="2400" dirty="0" err="1">
+                <a:solidFill>
+                  <a:prstClr val="white"/>
+                </a:solidFill>
+                <a:latin typeface="a반달곰" panose="02020600000000000000" pitchFamily="18" charset="-127"/>
+                <a:ea typeface="a반달곰" panose="02020600000000000000" pitchFamily="18" charset="-127"/>
+              </a:rPr>
+              <a:t>MakeUrl</a:t>
+            </a:r>
+            <a:endParaRPr kumimoji="0" lang="en-US" altLang="ko-KR" sz="2400" b="0" i="0" u="none" strike="noStrike" kern="1200" cap="none" spc="0" normalizeH="0" baseline="0" noProof="0" dirty="0">
+              <a:ln>
+                <a:noFill/>
+              </a:ln>
+              <a:solidFill>
+                <a:prstClr val="white"/>
+              </a:solidFill>
+              <a:effectLst/>
+              <a:uLnTx/>
+              <a:uFillTx/>
+              <a:latin typeface="a반달곰" panose="02020600000000000000" pitchFamily="18" charset="-127"/>
+              <a:ea typeface="a반달곰" panose="02020600000000000000" pitchFamily="18" charset="-127"/>
+              <a:cs typeface="+mn-cs"/>
+            </a:endParaRPr>
+          </a:p>
+        </p:txBody>
+      </p:sp>
+      <p:sp>
+        <p:nvSpPr>
+          <p:cNvPr id="28" name="TextBox 27">
+            <a:extLst>
+              <a:ext uri="{FF2B5EF4-FFF2-40B4-BE49-F238E27FC236}">
+                <a16:creationId xmlns:a16="http://schemas.microsoft.com/office/drawing/2014/main" id="{32BA39E2-D6DD-41E8-8E8D-16D310BA7CB8}"/>
+              </a:ext>
+            </a:extLst>
+          </p:cNvPr>
+          <p:cNvSpPr txBox="1"/>
+          <p:nvPr/>
+        </p:nvSpPr>
+        <p:spPr>
+          <a:xfrm>
+            <a:off x="4381827" y="3368388"/>
+            <a:ext cx="5545931" cy="830997"/>
+          </a:xfrm>
+          <a:prstGeom prst="rect">
+            <a:avLst/>
+          </a:prstGeom>
+          <a:noFill/>
+        </p:spPr>
+        <p:txBody>
+          <a:bodyPr wrap="square" rtlCol="0">
+            <a:spAutoFit/>
+          </a:bodyPr>
+          <a:lstStyle/>
+          <a:p>
+            <a:pPr marL="0" marR="0" lvl="0" indent="0" algn="l" defTabSz="914400" rtl="0" eaLnBrk="1" fontAlgn="auto" latinLnBrk="1" hangingPunct="1">
+              <a:lnSpc>
+                <a:spcPct val="100000"/>
+              </a:lnSpc>
+              <a:spcBef>
+                <a:spcPts val="0"/>
+              </a:spcBef>
+              <a:spcAft>
+                <a:spcPts val="0"/>
+              </a:spcAft>
+              <a:buClrTx/>
+              <a:buSzTx/>
+              <a:buFontTx/>
+              <a:buNone/>
+              <a:tabLst/>
+              <a:defRPr/>
+            </a:pPr>
+            <a:r>
+              <a:rPr kumimoji="0" lang="en-US" altLang="ko-KR" sz="2400" b="0" i="0" u="none" strike="noStrike" kern="1200" cap="none" spc="0" normalizeH="0" baseline="0" noProof="0" dirty="0">
+                <a:ln>
+                  <a:noFill/>
+                </a:ln>
+                <a:solidFill>
+                  <a:prstClr val="white"/>
+                </a:solidFill>
+                <a:effectLst/>
+                <a:uLnTx/>
+                <a:uFillTx/>
+                <a:latin typeface="a반달곰" panose="02020600000000000000" pitchFamily="18" charset="-127"/>
+                <a:ea typeface="a반달곰" panose="02020600000000000000" pitchFamily="18" charset="-127"/>
+                <a:cs typeface="+mn-cs"/>
+              </a:rPr>
+              <a:t>Procedure_</a:t>
+            </a:r>
+          </a:p>
+          <a:p>
+            <a:pPr marL="0" marR="0" lvl="0" indent="0" algn="l" defTabSz="914400" rtl="0" eaLnBrk="1" fontAlgn="auto" latinLnBrk="1" hangingPunct="1">
+              <a:lnSpc>
+                <a:spcPct val="100000"/>
+              </a:lnSpc>
+              <a:spcBef>
+                <a:spcPts val="0"/>
+              </a:spcBef>
+              <a:spcAft>
+                <a:spcPts val="0"/>
+              </a:spcAft>
+              <a:buClrTx/>
+              <a:buSzTx/>
+              <a:buFontTx/>
+              <a:buNone/>
+              <a:tabLst/>
+              <a:defRPr/>
+            </a:pPr>
+            <a:r>
+              <a:rPr kumimoji="0" lang="en-US" altLang="ko-KR" sz="2400" b="0" i="0" u="none" strike="noStrike" kern="1200" cap="none" spc="0" normalizeH="0" baseline="0" noProof="0" dirty="0" err="1">
+                <a:ln>
+                  <a:noFill/>
+                </a:ln>
+                <a:solidFill>
+                  <a:prstClr val="white"/>
+                </a:solidFill>
+                <a:effectLst/>
+                <a:uLnTx/>
+                <a:uFillTx/>
+                <a:latin typeface="a반달곰" panose="02020600000000000000" pitchFamily="18" charset="-127"/>
+                <a:ea typeface="a반달곰" panose="02020600000000000000" pitchFamily="18" charset="-127"/>
+                <a:cs typeface="+mn-cs"/>
+              </a:rPr>
+              <a:t>ExtraceContent</a:t>
+            </a:r>
+            <a:endParaRPr kumimoji="0" lang="en-US" altLang="ko-KR" sz="2400" b="0" i="0" u="none" strike="noStrike" kern="1200" cap="none" spc="0" normalizeH="0" baseline="0" noProof="0" dirty="0">
+              <a:ln>
+                <a:noFill/>
+              </a:ln>
+              <a:solidFill>
+                <a:prstClr val="white"/>
+              </a:solidFill>
+              <a:effectLst/>
+              <a:uLnTx/>
+              <a:uFillTx/>
+              <a:latin typeface="a반달곰" panose="02020600000000000000" pitchFamily="18" charset="-127"/>
+              <a:ea typeface="a반달곰" panose="02020600000000000000" pitchFamily="18" charset="-127"/>
+              <a:cs typeface="+mn-cs"/>
+            </a:endParaRPr>
+          </a:p>
+        </p:txBody>
+      </p:sp>
+      <p:sp>
+        <p:nvSpPr>
+          <p:cNvPr id="29" name="TextBox 28">
+            <a:extLst>
+              <a:ext uri="{FF2B5EF4-FFF2-40B4-BE49-F238E27FC236}">
+                <a16:creationId xmlns:a16="http://schemas.microsoft.com/office/drawing/2014/main" id="{A89AC7BB-EBD7-4306-B300-659BCFF4A21C}"/>
+              </a:ext>
+            </a:extLst>
+          </p:cNvPr>
+          <p:cNvSpPr txBox="1"/>
+          <p:nvPr/>
+        </p:nvSpPr>
+        <p:spPr>
+          <a:xfrm>
+            <a:off x="7682842" y="1154742"/>
+            <a:ext cx="4402930" cy="830997"/>
+          </a:xfrm>
+          <a:prstGeom prst="rect">
+            <a:avLst/>
+          </a:prstGeom>
+          <a:noFill/>
+        </p:spPr>
+        <p:txBody>
+          <a:bodyPr wrap="square" rtlCol="0">
+            <a:spAutoFit/>
+          </a:bodyPr>
+          <a:lstStyle/>
+          <a:p>
+            <a:pPr marL="0" marR="0" lvl="0" indent="0" algn="l" defTabSz="914400" rtl="0" eaLnBrk="1" fontAlgn="auto" latinLnBrk="1" hangingPunct="1">
+              <a:lnSpc>
+                <a:spcPct val="100000"/>
+              </a:lnSpc>
+              <a:spcBef>
+                <a:spcPts val="0"/>
+              </a:spcBef>
+              <a:spcAft>
+                <a:spcPts val="0"/>
+              </a:spcAft>
+              <a:buClrTx/>
+              <a:buSzTx/>
+              <a:buFontTx/>
+              <a:buNone/>
+              <a:tabLst/>
+              <a:defRPr/>
+            </a:pPr>
+            <a:r>
+              <a:rPr kumimoji="0" lang="en-US" altLang="ko-KR" sz="2400" b="0" i="0" u="none" strike="noStrike" kern="1200" cap="none" spc="0" normalizeH="0" baseline="0" noProof="0" dirty="0">
+                <a:ln>
+                  <a:noFill/>
+                </a:ln>
+                <a:solidFill>
+                  <a:prstClr val="white"/>
+                </a:solidFill>
+                <a:effectLst/>
+                <a:uLnTx/>
+                <a:uFillTx/>
+                <a:latin typeface="a반달곰" panose="02020600000000000000" pitchFamily="18" charset="-127"/>
+                <a:ea typeface="a반달곰" panose="02020600000000000000" pitchFamily="18" charset="-127"/>
+                <a:cs typeface="+mn-cs"/>
+              </a:rPr>
+              <a:t>Procedure_</a:t>
+            </a:r>
+          </a:p>
+          <a:p>
+            <a:pPr marL="0" marR="0" lvl="0" indent="0" algn="l" defTabSz="914400" rtl="0" eaLnBrk="1" fontAlgn="auto" latinLnBrk="1" hangingPunct="1">
+              <a:lnSpc>
+                <a:spcPct val="100000"/>
+              </a:lnSpc>
+              <a:spcBef>
+                <a:spcPts val="0"/>
+              </a:spcBef>
+              <a:spcAft>
+                <a:spcPts val="0"/>
+              </a:spcAft>
+              <a:buClrTx/>
+              <a:buSzTx/>
+              <a:buFontTx/>
+              <a:buNone/>
+              <a:tabLst/>
+              <a:defRPr/>
+            </a:pPr>
+            <a:r>
+              <a:rPr kumimoji="0" lang="en-US" altLang="ko-KR" sz="2400" b="0" i="0" u="none" strike="noStrike" kern="1200" cap="none" spc="0" normalizeH="0" baseline="0" noProof="0" dirty="0">
+                <a:ln>
+                  <a:noFill/>
+                </a:ln>
+                <a:solidFill>
+                  <a:prstClr val="white"/>
+                </a:solidFill>
+                <a:effectLst/>
+                <a:uLnTx/>
+                <a:uFillTx/>
+                <a:latin typeface="a반달곰" panose="02020600000000000000" pitchFamily="18" charset="-127"/>
+                <a:ea typeface="a반달곰" panose="02020600000000000000" pitchFamily="18" charset="-127"/>
+                <a:cs typeface="+mn-cs"/>
+              </a:rPr>
+              <a:t>ErrorNot200</a:t>
+            </a:r>
+          </a:p>
+        </p:txBody>
+      </p:sp>
+      <p:sp>
+        <p:nvSpPr>
+          <p:cNvPr id="30" name="TextBox 29">
+            <a:extLst>
+              <a:ext uri="{FF2B5EF4-FFF2-40B4-BE49-F238E27FC236}">
+                <a16:creationId xmlns:a16="http://schemas.microsoft.com/office/drawing/2014/main" id="{3A641789-CA4D-4DB2-89B4-ACB44B3B5315}"/>
+              </a:ext>
+            </a:extLst>
+          </p:cNvPr>
+          <p:cNvSpPr txBox="1"/>
+          <p:nvPr/>
+        </p:nvSpPr>
+        <p:spPr>
+          <a:xfrm>
+            <a:off x="7715802" y="2342931"/>
+            <a:ext cx="3879056" cy="830997"/>
+          </a:xfrm>
+          <a:prstGeom prst="rect">
+            <a:avLst/>
+          </a:prstGeom>
+          <a:noFill/>
+        </p:spPr>
+        <p:txBody>
+          <a:bodyPr wrap="square" rtlCol="0">
+            <a:spAutoFit/>
+          </a:bodyPr>
+          <a:lstStyle/>
+          <a:p>
+            <a:pPr marL="0" marR="0" lvl="0" indent="0" algn="l" defTabSz="914400" rtl="0" eaLnBrk="1" fontAlgn="auto" latinLnBrk="1" hangingPunct="1">
+              <a:lnSpc>
+                <a:spcPct val="100000"/>
+              </a:lnSpc>
+              <a:spcBef>
+                <a:spcPts val="0"/>
+              </a:spcBef>
+              <a:spcAft>
+                <a:spcPts val="0"/>
+              </a:spcAft>
+              <a:buClrTx/>
+              <a:buSzTx/>
+              <a:buFontTx/>
+              <a:buNone/>
+              <a:tabLst/>
+              <a:defRPr/>
+            </a:pPr>
+            <a:r>
+              <a:rPr kumimoji="0" lang="en-US" altLang="ko-KR" sz="2400" b="0" i="0" u="none" strike="noStrike" kern="1200" cap="none" spc="0" normalizeH="0" baseline="0" noProof="0" dirty="0">
+                <a:ln>
+                  <a:noFill/>
+                </a:ln>
+                <a:solidFill>
+                  <a:prstClr val="white"/>
+                </a:solidFill>
+                <a:effectLst/>
+                <a:uLnTx/>
+                <a:uFillTx/>
+                <a:latin typeface="a반달곰" panose="02020600000000000000" pitchFamily="18" charset="-127"/>
+                <a:ea typeface="a반달곰" panose="02020600000000000000" pitchFamily="18" charset="-127"/>
+                <a:cs typeface="+mn-cs"/>
+              </a:rPr>
+              <a:t>Procedure_</a:t>
+            </a:r>
+          </a:p>
+          <a:p>
+            <a:pPr marL="0" marR="0" lvl="0" indent="0" algn="l" defTabSz="914400" rtl="0" eaLnBrk="1" fontAlgn="auto" latinLnBrk="1" hangingPunct="1">
+              <a:lnSpc>
+                <a:spcPct val="100000"/>
+              </a:lnSpc>
+              <a:spcBef>
+                <a:spcPts val="0"/>
+              </a:spcBef>
+              <a:spcAft>
+                <a:spcPts val="0"/>
+              </a:spcAft>
+              <a:buClrTx/>
+              <a:buSzTx/>
+              <a:buFontTx/>
+              <a:buNone/>
+              <a:tabLst/>
+              <a:defRPr/>
+            </a:pPr>
+            <a:r>
+              <a:rPr kumimoji="0" lang="en-US" altLang="ko-KR" sz="2400" b="0" i="0" u="none" strike="noStrike" kern="1200" cap="none" spc="0" normalizeH="0" baseline="0" noProof="0" dirty="0">
+                <a:ln>
+                  <a:noFill/>
+                </a:ln>
+                <a:solidFill>
+                  <a:prstClr val="white"/>
+                </a:solidFill>
+                <a:effectLst/>
+                <a:uLnTx/>
+                <a:uFillTx/>
+                <a:latin typeface="a반달곰" panose="02020600000000000000" pitchFamily="18" charset="-127"/>
+                <a:ea typeface="a반달곰" panose="02020600000000000000" pitchFamily="18" charset="-127"/>
+                <a:cs typeface="+mn-cs"/>
+              </a:rPr>
+              <a:t>Success</a:t>
+            </a:r>
+          </a:p>
+        </p:txBody>
+      </p:sp>
+      <p:sp>
+        <p:nvSpPr>
+          <p:cNvPr id="31" name="TextBox 30">
+            <a:extLst>
+              <a:ext uri="{FF2B5EF4-FFF2-40B4-BE49-F238E27FC236}">
+                <a16:creationId xmlns:a16="http://schemas.microsoft.com/office/drawing/2014/main" id="{EF9D02E1-6088-4A00-B0D4-2E3377808BF5}"/>
+              </a:ext>
+            </a:extLst>
+          </p:cNvPr>
+          <p:cNvSpPr txBox="1"/>
+          <p:nvPr/>
+        </p:nvSpPr>
+        <p:spPr>
+          <a:xfrm>
+            <a:off x="7634771" y="3275247"/>
+            <a:ext cx="6162674" cy="707886"/>
+          </a:xfrm>
+          <a:prstGeom prst="rect">
+            <a:avLst/>
+          </a:prstGeom>
+          <a:noFill/>
+        </p:spPr>
+        <p:txBody>
+          <a:bodyPr wrap="square" rtlCol="0">
+            <a:spAutoFit/>
+          </a:bodyPr>
+          <a:lstStyle/>
+          <a:p>
+            <a:pPr marL="0" marR="0" lvl="0" indent="0" algn="l" defTabSz="914400" rtl="0" eaLnBrk="1" fontAlgn="auto" latinLnBrk="1" hangingPunct="1">
+              <a:lnSpc>
+                <a:spcPct val="100000"/>
+              </a:lnSpc>
+              <a:spcBef>
+                <a:spcPts val="0"/>
+              </a:spcBef>
+              <a:spcAft>
+                <a:spcPts val="0"/>
+              </a:spcAft>
+              <a:buClrTx/>
+              <a:buSzTx/>
+              <a:buFontTx/>
+              <a:buNone/>
+              <a:tabLst/>
+              <a:defRPr/>
+            </a:pPr>
+            <a:r>
+              <a:rPr kumimoji="0" lang="en-US" altLang="ko-KR" sz="2000" b="0" i="0" u="none" strike="noStrike" kern="1200" cap="none" spc="0" normalizeH="0" baseline="0" noProof="0" dirty="0">
+                <a:ln>
+                  <a:noFill/>
+                </a:ln>
+                <a:solidFill>
+                  <a:prstClr val="white"/>
+                </a:solidFill>
+                <a:effectLst/>
+                <a:uLnTx/>
+                <a:uFillTx/>
+                <a:latin typeface="a반달곰" panose="02020600000000000000" pitchFamily="18" charset="-127"/>
+                <a:ea typeface="a반달곰" panose="02020600000000000000" pitchFamily="18" charset="-127"/>
+                <a:cs typeface="+mn-cs"/>
+              </a:rPr>
+              <a:t>Procedure_</a:t>
+            </a:r>
+          </a:p>
+          <a:p>
+            <a:pPr marL="0" marR="0" lvl="0" indent="0" algn="l" defTabSz="914400" rtl="0" eaLnBrk="1" fontAlgn="auto" latinLnBrk="1" hangingPunct="1">
+              <a:lnSpc>
+                <a:spcPct val="100000"/>
+              </a:lnSpc>
+              <a:spcBef>
+                <a:spcPts val="0"/>
+              </a:spcBef>
+              <a:spcAft>
+                <a:spcPts val="0"/>
+              </a:spcAft>
+              <a:buClrTx/>
+              <a:buSzTx/>
+              <a:buFontTx/>
+              <a:buNone/>
+              <a:tabLst/>
+              <a:defRPr/>
+            </a:pPr>
+            <a:r>
+              <a:rPr kumimoji="0" lang="en-US" altLang="ko-KR" sz="2000" b="0" i="0" u="none" strike="noStrike" kern="1200" cap="none" spc="0" normalizeH="0" baseline="0" noProof="0" dirty="0" err="1">
+                <a:ln>
+                  <a:noFill/>
+                </a:ln>
+                <a:solidFill>
+                  <a:prstClr val="white"/>
+                </a:solidFill>
+                <a:effectLst/>
+                <a:uLnTx/>
+                <a:uFillTx/>
+                <a:latin typeface="a반달곰" panose="02020600000000000000" pitchFamily="18" charset="-127"/>
+                <a:ea typeface="a반달곰" panose="02020600000000000000" pitchFamily="18" charset="-127"/>
+                <a:cs typeface="+mn-cs"/>
+              </a:rPr>
+              <a:t>ErrorInputIsNotNatureNumber</a:t>
+            </a:r>
+            <a:endParaRPr kumimoji="0" lang="en-US" altLang="ko-KR" sz="2000" b="0" i="0" u="none" strike="noStrike" kern="1200" cap="none" spc="0" normalizeH="0" baseline="0" noProof="0" dirty="0">
+              <a:ln>
+                <a:noFill/>
+              </a:ln>
+              <a:solidFill>
+                <a:prstClr val="white"/>
+              </a:solidFill>
+              <a:effectLst/>
+              <a:uLnTx/>
+              <a:uFillTx/>
+              <a:latin typeface="a반달곰" panose="02020600000000000000" pitchFamily="18" charset="-127"/>
+              <a:ea typeface="a반달곰" panose="02020600000000000000" pitchFamily="18" charset="-127"/>
+              <a:cs typeface="+mn-cs"/>
+            </a:endParaRPr>
+          </a:p>
+        </p:txBody>
+      </p:sp>
+      <p:sp>
+        <p:nvSpPr>
+          <p:cNvPr id="32" name="TextBox 31">
+            <a:extLst>
+              <a:ext uri="{FF2B5EF4-FFF2-40B4-BE49-F238E27FC236}">
+                <a16:creationId xmlns:a16="http://schemas.microsoft.com/office/drawing/2014/main" id="{33369A84-4A93-4074-82B7-1477E445C4FC}"/>
+              </a:ext>
+            </a:extLst>
+          </p:cNvPr>
+          <p:cNvSpPr txBox="1"/>
+          <p:nvPr/>
+        </p:nvSpPr>
+        <p:spPr>
+          <a:xfrm>
+            <a:off x="7682842" y="3978348"/>
+            <a:ext cx="4705350" cy="461665"/>
+          </a:xfrm>
+          <a:prstGeom prst="rect">
+            <a:avLst/>
+          </a:prstGeom>
+          <a:noFill/>
+        </p:spPr>
+        <p:txBody>
+          <a:bodyPr wrap="square" rtlCol="0">
+            <a:spAutoFit/>
+          </a:bodyPr>
+          <a:lstStyle/>
+          <a:p>
+            <a:pPr marL="0" marR="0" lvl="0" indent="0" algn="l" defTabSz="914400" rtl="0" eaLnBrk="1" fontAlgn="auto" latinLnBrk="1" hangingPunct="1">
+              <a:lnSpc>
+                <a:spcPct val="100000"/>
+              </a:lnSpc>
+              <a:spcBef>
+                <a:spcPts val="0"/>
+              </a:spcBef>
+              <a:spcAft>
+                <a:spcPts val="0"/>
+              </a:spcAft>
+              <a:buClrTx/>
+              <a:buSzTx/>
+              <a:buFontTx/>
+              <a:buNone/>
+              <a:tabLst/>
+              <a:defRPr/>
+            </a:pPr>
+            <a:r>
+              <a:rPr kumimoji="0" lang="en-US" altLang="ko-KR" sz="2400" b="0" i="0" u="none" strike="noStrike" kern="1200" cap="none" spc="0" normalizeH="0" baseline="0" noProof="0" dirty="0" err="1">
+                <a:ln>
+                  <a:noFill/>
+                </a:ln>
+                <a:solidFill>
+                  <a:prstClr val="white"/>
+                </a:solidFill>
+                <a:effectLst/>
+                <a:uLnTx/>
+                <a:uFillTx/>
+                <a:latin typeface="a반달곰" panose="02020600000000000000" pitchFamily="18" charset="-127"/>
+                <a:ea typeface="a반달곰" panose="02020600000000000000" pitchFamily="18" charset="-127"/>
+                <a:cs typeface="+mn-cs"/>
+              </a:rPr>
+              <a:t>Procedure_LabelInit</a:t>
+            </a:r>
+            <a:endParaRPr kumimoji="0" lang="en-US" altLang="ko-KR" sz="2400" b="0" i="0" u="none" strike="noStrike" kern="1200" cap="none" spc="0" normalizeH="0" baseline="0" noProof="0" dirty="0">
+              <a:ln>
+                <a:noFill/>
+              </a:ln>
+              <a:solidFill>
+                <a:prstClr val="white"/>
+              </a:solidFill>
+              <a:effectLst/>
+              <a:uLnTx/>
+              <a:uFillTx/>
+              <a:latin typeface="a반달곰" panose="02020600000000000000" pitchFamily="18" charset="-127"/>
+              <a:ea typeface="a반달곰" panose="02020600000000000000" pitchFamily="18" charset="-127"/>
+              <a:cs typeface="+mn-cs"/>
+            </a:endParaRPr>
+          </a:p>
+        </p:txBody>
+      </p:sp>
+      <p:sp>
+        <p:nvSpPr>
+          <p:cNvPr id="33" name="TextBox 32">
+            <a:extLst>
+              <a:ext uri="{FF2B5EF4-FFF2-40B4-BE49-F238E27FC236}">
+                <a16:creationId xmlns:a16="http://schemas.microsoft.com/office/drawing/2014/main" id="{BD1DEA0D-679B-4D98-919F-84E476F56AED}"/>
+              </a:ext>
+            </a:extLst>
+          </p:cNvPr>
+          <p:cNvSpPr txBox="1"/>
+          <p:nvPr/>
+        </p:nvSpPr>
+        <p:spPr>
+          <a:xfrm>
+            <a:off x="7784930" y="4645289"/>
+            <a:ext cx="4807744" cy="830997"/>
+          </a:xfrm>
+          <a:prstGeom prst="rect">
+            <a:avLst/>
+          </a:prstGeom>
+          <a:noFill/>
+        </p:spPr>
+        <p:txBody>
+          <a:bodyPr wrap="square" rtlCol="0">
+            <a:spAutoFit/>
+          </a:bodyPr>
+          <a:lstStyle/>
+          <a:p>
+            <a:pPr marL="0" marR="0" lvl="0" indent="0" algn="l" defTabSz="914400" rtl="0" eaLnBrk="1" fontAlgn="auto" latinLnBrk="1" hangingPunct="1">
+              <a:lnSpc>
+                <a:spcPct val="100000"/>
+              </a:lnSpc>
+              <a:spcBef>
+                <a:spcPts val="0"/>
+              </a:spcBef>
+              <a:spcAft>
+                <a:spcPts val="0"/>
+              </a:spcAft>
+              <a:buClrTx/>
+              <a:buSzTx/>
+              <a:buFontTx/>
+              <a:buNone/>
+              <a:tabLst/>
+              <a:defRPr/>
+            </a:pPr>
+            <a:r>
+              <a:rPr kumimoji="0" lang="en-US" altLang="ko-KR" sz="2400" b="0" i="0" u="none" strike="noStrike" kern="1200" cap="none" spc="0" normalizeH="0" baseline="0" noProof="0" dirty="0">
+                <a:ln>
+                  <a:noFill/>
+                </a:ln>
+                <a:solidFill>
+                  <a:prstClr val="white"/>
+                </a:solidFill>
+                <a:effectLst/>
+                <a:uLnTx/>
+                <a:uFillTx/>
+                <a:latin typeface="a반달곰" panose="02020600000000000000" pitchFamily="18" charset="-127"/>
+                <a:ea typeface="a반달곰" panose="02020600000000000000" pitchFamily="18" charset="-127"/>
+                <a:cs typeface="+mn-cs"/>
+              </a:rPr>
+              <a:t>Procedure_</a:t>
+            </a:r>
+          </a:p>
+          <a:p>
+            <a:pPr marL="0" marR="0" lvl="0" indent="0" algn="l" defTabSz="914400" rtl="0" eaLnBrk="1" fontAlgn="auto" latinLnBrk="1" hangingPunct="1">
+              <a:lnSpc>
+                <a:spcPct val="100000"/>
+              </a:lnSpc>
+              <a:spcBef>
+                <a:spcPts val="0"/>
+              </a:spcBef>
+              <a:spcAft>
+                <a:spcPts val="0"/>
+              </a:spcAft>
+              <a:buClrTx/>
+              <a:buSzTx/>
+              <a:buFontTx/>
+              <a:buNone/>
+              <a:tabLst/>
+              <a:defRPr/>
+            </a:pPr>
+            <a:r>
+              <a:rPr kumimoji="0" lang="en-US" altLang="ko-KR" sz="2400" b="0" i="0" u="none" strike="noStrike" kern="1200" cap="none" spc="0" normalizeH="0" baseline="0" noProof="0" dirty="0" err="1">
+                <a:ln>
+                  <a:noFill/>
+                </a:ln>
+                <a:solidFill>
+                  <a:prstClr val="white"/>
+                </a:solidFill>
+                <a:effectLst/>
+                <a:uLnTx/>
+                <a:uFillTx/>
+                <a:latin typeface="a반달곰" panose="02020600000000000000" pitchFamily="18" charset="-127"/>
+                <a:ea typeface="a반달곰" panose="02020600000000000000" pitchFamily="18" charset="-127"/>
+                <a:cs typeface="+mn-cs"/>
+              </a:rPr>
+              <a:t>ErrorNotSuccess</a:t>
+            </a:r>
+            <a:endParaRPr kumimoji="0" lang="en-US" altLang="ko-KR" sz="2400" b="0" i="0" u="none" strike="noStrike" kern="1200" cap="none" spc="0" normalizeH="0" baseline="0" noProof="0" dirty="0">
+              <a:ln>
+                <a:noFill/>
+              </a:ln>
+              <a:solidFill>
+                <a:prstClr val="white"/>
+              </a:solidFill>
+              <a:effectLst/>
+              <a:uLnTx/>
+              <a:uFillTx/>
+              <a:latin typeface="a반달곰" panose="02020600000000000000" pitchFamily="18" charset="-127"/>
+              <a:ea typeface="a반달곰" panose="02020600000000000000" pitchFamily="18" charset="-127"/>
+              <a:cs typeface="+mn-cs"/>
             </a:endParaRPr>
           </a:p>
         </p:txBody>
@@ -9597,7 +13309,7 @@
                 <a:latin typeface="a반달곰" panose="02020600000000000000" pitchFamily="18" charset="-127"/>
                 <a:ea typeface="a반달곰" panose="02020600000000000000" pitchFamily="18" charset="-127"/>
               </a:rPr>
-              <a:t>Initialize Part</a:t>
+              <a:t>Screen1.Initialize</a:t>
             </a:r>
           </a:p>
         </p:txBody>
@@ -10858,7 +14570,7 @@
                 <a:ea typeface="a반달곰" panose="02020600000000000000" pitchFamily="18" charset="-127"/>
                 <a:cs typeface="+mn-cs"/>
               </a:rPr>
-              <a:t>(2)</a:t>
+              <a:t>(4)</a:t>
             </a:r>
             <a:endParaRPr kumimoji="0" lang="ko-KR" altLang="en-US" sz="4400" b="0" i="0" u="none" strike="noStrike" kern="1200" cap="none" spc="0" normalizeH="0" baseline="0" noProof="0" dirty="0">
               <a:ln>
@@ -10977,8 +14689,8 @@
         </p:nvSpPr>
         <p:spPr>
           <a:xfrm>
-            <a:off x="6388895" y="610256"/>
-            <a:ext cx="3879056" cy="523220"/>
+            <a:off x="6407945" y="700385"/>
+            <a:ext cx="3879056" cy="461665"/>
           </a:xfrm>
           <a:prstGeom prst="rect">
             <a:avLst/>
@@ -11009,22 +14721,29 @@
               <a:defRPr/>
             </a:pPr>
             <a:r>
-              <a:rPr kumimoji="0" lang="en-US" altLang="ko-KR" sz="2800" b="0" i="0" u="none" strike="noStrike" kern="1200" cap="none" spc="0" normalizeH="0" baseline="0" noProof="0" dirty="0">
-                <a:ln>
-                  <a:noFill/>
-                </a:ln>
+              <a:rPr lang="en-US" altLang="ko-KR" sz="2400" dirty="0" err="1">
                 <a:solidFill>
                   <a:prstClr val="white"/>
                 </a:solidFill>
-                <a:effectLst/>
-                <a:uLnTx/>
-                <a:uFillTx/>
-                <a:latin typeface="a반달곰" panose="02020600000000000000" pitchFamily="18" charset="-127"/>
-                <a:ea typeface="a반달곰" panose="02020600000000000000" pitchFamily="18" charset="-127"/>
-                <a:cs typeface="+mn-cs"/>
-              </a:rPr>
-              <a:t>Initialize Part</a:t>
-            </a:r>
+                <a:latin typeface="a반달곰" panose="02020600000000000000" pitchFamily="18" charset="-127"/>
+                <a:ea typeface="a반달곰" panose="02020600000000000000" pitchFamily="18" charset="-127"/>
+              </a:rPr>
+              <a:t>Procedure_MakeUrl</a:t>
+            </a:r>
+            <a:endParaRPr kumimoji="0" lang="en-US" altLang="ko-KR" sz="2400" b="0" i="0" u="none" strike="noStrike" kern="1200" cap="none" spc="0" normalizeH="0" baseline="0" noProof="0" dirty="0">
+              <a:ln>
+                <a:noFill/>
+              </a:ln>
+              <a:solidFill>
+                <a:prstClr val="white"/>
+              </a:solidFill>
+              <a:effectLst/>
+              <a:uLnTx/>
+              <a:uFillTx/>
+              <a:latin typeface="a반달곰" panose="02020600000000000000" pitchFamily="18" charset="-127"/>
+              <a:ea typeface="a반달곰" panose="02020600000000000000" pitchFamily="18" charset="-127"/>
+              <a:cs typeface="+mn-cs"/>
+            </a:endParaRPr>
           </a:p>
         </p:txBody>
       </p:sp>
@@ -11312,7 +15031,7 @@
                 <a:ea typeface="a반달곰" panose="02020600000000000000" pitchFamily="18" charset="-127"/>
                 <a:cs typeface="+mn-cs"/>
               </a:rPr>
-              <a:t>(2)</a:t>
+              <a:t>(5)</a:t>
             </a:r>
             <a:endParaRPr kumimoji="0" lang="ko-KR" altLang="en-US" sz="4400" b="0" i="0" u="none" strike="noStrike" kern="1200" cap="none" spc="0" normalizeH="0" baseline="0" noProof="0" dirty="0">
               <a:ln>
@@ -11431,8 +15150,8 @@
         </p:nvSpPr>
         <p:spPr>
           <a:xfrm>
-            <a:off x="6388895" y="610256"/>
-            <a:ext cx="3879056" cy="523220"/>
+            <a:off x="6388894" y="699730"/>
+            <a:ext cx="5545931" cy="461665"/>
           </a:xfrm>
           <a:prstGeom prst="rect">
             <a:avLst/>
@@ -11463,7 +15182,7 @@
               <a:defRPr/>
             </a:pPr>
             <a:r>
-              <a:rPr kumimoji="0" lang="en-US" altLang="ko-KR" sz="2800" b="0" i="0" u="none" strike="noStrike" kern="1200" cap="none" spc="0" normalizeH="0" baseline="0" noProof="0" dirty="0">
+              <a:rPr kumimoji="0" lang="en-US" altLang="ko-KR" sz="2400" b="0" i="0" u="none" strike="noStrike" kern="1200" cap="none" spc="0" normalizeH="0" baseline="0" noProof="0" dirty="0" err="1">
                 <a:ln>
                   <a:noFill/>
                 </a:ln>
@@ -11477,8 +15196,22 @@
                 <a:ea typeface="a반달곰" panose="02020600000000000000" pitchFamily="18" charset="-127"/>
                 <a:cs typeface="+mn-cs"/>
               </a:rPr>
-              <a:t>Initialize Part</a:t>
-            </a:r>
+              <a:t>Procedure_ExtraceContent</a:t>
+            </a:r>
+            <a:endParaRPr kumimoji="0" lang="en-US" altLang="ko-KR" sz="2400" b="0" i="0" u="none" strike="noStrike" kern="1200" cap="none" spc="0" normalizeH="0" baseline="0" noProof="0" dirty="0">
+              <a:ln>
+                <a:noFill/>
+              </a:ln>
+              <a:solidFill>
+                <a:prstClr val="white"/>
+              </a:solidFill>
+              <a:effectLst/>
+              <a:uLnTx/>
+              <a:uFillTx/>
+              <a:latin typeface="a반달곰" panose="02020600000000000000" pitchFamily="18" charset="-127"/>
+              <a:ea typeface="a반달곰" panose="02020600000000000000" pitchFamily="18" charset="-127"/>
+              <a:cs typeface="+mn-cs"/>
+            </a:endParaRPr>
           </a:p>
         </p:txBody>
       </p:sp>
